--- a/Python과제/Python_11강.pptx
+++ b/Python과제/Python_11강.pptx
@@ -6,33 +6,39 @@
   </p:sldMasterIdLst>
   <p:sldIdLst>
     <p:sldId id="256" r:id="rId2"/>
-    <p:sldId id="257" r:id="rId3"/>
-    <p:sldId id="258" r:id="rId4"/>
-    <p:sldId id="259" r:id="rId5"/>
-    <p:sldId id="260" r:id="rId6"/>
-    <p:sldId id="261" r:id="rId7"/>
-    <p:sldId id="262" r:id="rId8"/>
-    <p:sldId id="263" r:id="rId9"/>
-    <p:sldId id="264" r:id="rId10"/>
-    <p:sldId id="265" r:id="rId11"/>
-    <p:sldId id="266" r:id="rId12"/>
-    <p:sldId id="267" r:id="rId13"/>
-    <p:sldId id="268" r:id="rId14"/>
-    <p:sldId id="269" r:id="rId15"/>
-    <p:sldId id="270" r:id="rId16"/>
-    <p:sldId id="271" r:id="rId17"/>
-    <p:sldId id="272" r:id="rId18"/>
-    <p:sldId id="273" r:id="rId19"/>
-    <p:sldId id="274" r:id="rId20"/>
-    <p:sldId id="275" r:id="rId21"/>
-    <p:sldId id="277" r:id="rId22"/>
-    <p:sldId id="278" r:id="rId23"/>
-    <p:sldId id="279" r:id="rId24"/>
-    <p:sldId id="280" r:id="rId25"/>
-    <p:sldId id="281" r:id="rId26"/>
-    <p:sldId id="282" r:id="rId27"/>
-    <p:sldId id="283" r:id="rId28"/>
-    <p:sldId id="284" r:id="rId29"/>
+    <p:sldId id="286" r:id="rId3"/>
+    <p:sldId id="287" r:id="rId4"/>
+    <p:sldId id="257" r:id="rId5"/>
+    <p:sldId id="258" r:id="rId6"/>
+    <p:sldId id="259" r:id="rId7"/>
+    <p:sldId id="260" r:id="rId8"/>
+    <p:sldId id="261" r:id="rId9"/>
+    <p:sldId id="262" r:id="rId10"/>
+    <p:sldId id="263" r:id="rId11"/>
+    <p:sldId id="264" r:id="rId12"/>
+    <p:sldId id="265" r:id="rId13"/>
+    <p:sldId id="266" r:id="rId14"/>
+    <p:sldId id="267" r:id="rId15"/>
+    <p:sldId id="268" r:id="rId16"/>
+    <p:sldId id="269" r:id="rId17"/>
+    <p:sldId id="270" r:id="rId18"/>
+    <p:sldId id="271" r:id="rId19"/>
+    <p:sldId id="292" r:id="rId20"/>
+    <p:sldId id="272" r:id="rId21"/>
+    <p:sldId id="273" r:id="rId22"/>
+    <p:sldId id="274" r:id="rId23"/>
+    <p:sldId id="275" r:id="rId24"/>
+    <p:sldId id="277" r:id="rId25"/>
+    <p:sldId id="278" r:id="rId26"/>
+    <p:sldId id="279" r:id="rId27"/>
+    <p:sldId id="293" r:id="rId28"/>
+    <p:sldId id="280" r:id="rId29"/>
+    <p:sldId id="281" r:id="rId30"/>
+    <p:sldId id="282" r:id="rId31"/>
+    <p:sldId id="283" r:id="rId32"/>
+    <p:sldId id="284" r:id="rId33"/>
+    <p:sldId id="291" r:id="rId34"/>
+    <p:sldId id="294" r:id="rId35"/>
   </p:sldIdLst>
   <p:sldSz cx="12192000" cy="6858000"/>
   <p:notesSz cx="6858000" cy="9144000"/>
@@ -986,7 +992,7 @@
           <a:p>
             <a:fld id="{96DFF08F-DC6B-4601-B491-B0F83F6DD2DA}" type="datetimeFigureOut">
               <a:rPr lang="en-US" smtClean="0"/>
-              <a:t>5/4/2023</a:t>
+              <a:t>5/7/2023</a:t>
             </a:fld>
             <a:endParaRPr lang="en-US" dirty="0"/>
           </a:p>
@@ -1207,7 +1213,7 @@
           <a:p>
             <a:fld id="{96DFF08F-DC6B-4601-B491-B0F83F6DD2DA}" type="datetimeFigureOut">
               <a:rPr lang="en-US" smtClean="0"/>
-              <a:t>5/4/2023</a:t>
+              <a:t>5/7/2023</a:t>
             </a:fld>
             <a:endParaRPr lang="en-US" dirty="0"/>
           </a:p>
@@ -1387,7 +1393,7 @@
           <a:p>
             <a:fld id="{96DFF08F-DC6B-4601-B491-B0F83F6DD2DA}" type="datetimeFigureOut">
               <a:rPr lang="en-US" smtClean="0"/>
-              <a:t>5/4/2023</a:t>
+              <a:t>5/7/2023</a:t>
             </a:fld>
             <a:endParaRPr lang="en-US" dirty="0"/>
           </a:p>
@@ -1557,7 +1563,7 @@
           <a:p>
             <a:fld id="{96DFF08F-DC6B-4601-B491-B0F83F6DD2DA}" type="datetimeFigureOut">
               <a:rPr lang="en-US" smtClean="0"/>
-              <a:t>5/4/2023</a:t>
+              <a:t>5/7/2023</a:t>
             </a:fld>
             <a:endParaRPr lang="en-US" dirty="0"/>
           </a:p>
@@ -1808,7 +1814,7 @@
           <a:p>
             <a:fld id="{96DFF08F-DC6B-4601-B491-B0F83F6DD2DA}" type="datetimeFigureOut">
               <a:rPr lang="en-US" smtClean="0"/>
-              <a:t>5/4/2023</a:t>
+              <a:t>5/7/2023</a:t>
             </a:fld>
             <a:endParaRPr lang="en-US" dirty="0"/>
           </a:p>
@@ -2131,7 +2137,7 @@
           <a:p>
             <a:fld id="{96DFF08F-DC6B-4601-B491-B0F83F6DD2DA}" type="datetimeFigureOut">
               <a:rPr lang="en-US" smtClean="0"/>
-              <a:t>5/4/2023</a:t>
+              <a:t>5/7/2023</a:t>
             </a:fld>
             <a:endParaRPr lang="en-US" dirty="0"/>
           </a:p>
@@ -2555,7 +2561,7 @@
           <a:p>
             <a:fld id="{96DFF08F-DC6B-4601-B491-B0F83F6DD2DA}" type="datetimeFigureOut">
               <a:rPr lang="en-US" smtClean="0"/>
-              <a:t>5/4/2023</a:t>
+              <a:t>5/7/2023</a:t>
             </a:fld>
             <a:endParaRPr lang="en-US" dirty="0"/>
           </a:p>
@@ -2673,7 +2679,7 @@
           <a:p>
             <a:fld id="{96DFF08F-DC6B-4601-B491-B0F83F6DD2DA}" type="datetimeFigureOut">
               <a:rPr lang="en-US" smtClean="0"/>
-              <a:t>5/4/2023</a:t>
+              <a:t>5/7/2023</a:t>
             </a:fld>
             <a:endParaRPr lang="en-US" dirty="0"/>
           </a:p>
@@ -2768,7 +2774,7 @@
           <a:p>
             <a:fld id="{96DFF08F-DC6B-4601-B491-B0F83F6DD2DA}" type="datetimeFigureOut">
               <a:rPr lang="en-US" smtClean="0"/>
-              <a:t>5/4/2023</a:t>
+              <a:t>5/7/2023</a:t>
             </a:fld>
             <a:endParaRPr lang="en-US" dirty="0"/>
           </a:p>
@@ -3058,7 +3064,7 @@
           <a:p>
             <a:fld id="{96DFF08F-DC6B-4601-B491-B0F83F6DD2DA}" type="datetimeFigureOut">
               <a:rPr lang="en-US" smtClean="0"/>
-              <a:t>5/4/2023</a:t>
+              <a:t>5/7/2023</a:t>
             </a:fld>
             <a:endParaRPr lang="en-US" dirty="0"/>
           </a:p>
@@ -3330,7 +3336,7 @@
           <a:p>
             <a:fld id="{96DFF08F-DC6B-4601-B491-B0F83F6DD2DA}" type="datetimeFigureOut">
               <a:rPr lang="en-US" smtClean="0"/>
-              <a:t>5/4/2023</a:t>
+              <a:t>5/7/2023</a:t>
             </a:fld>
             <a:endParaRPr lang="en-US" dirty="0"/>
           </a:p>
@@ -3585,7 +3591,7 @@
             <a:fld id="{96DFF08F-DC6B-4601-B491-B0F83F6DD2DA}" type="datetimeFigureOut">
               <a:rPr lang="en-US" smtClean="0"/>
               <a:pPr/>
-              <a:t>5/4/2023</a:t>
+              <a:t>5/7/2023</a:t>
             </a:fld>
             <a:endParaRPr lang="en-US" dirty="0"/>
           </a:p>
@@ -4207,6 +4213,246 @@
       </p:grpSpPr>
       <p:pic>
         <p:nvPicPr>
+          <p:cNvPr id="3" name="그림 2">
+            <a:extLst>
+              <a:ext uri="{FF2B5EF4-FFF2-40B4-BE49-F238E27FC236}">
+                <a16:creationId xmlns:a16="http://schemas.microsoft.com/office/drawing/2014/main" id="{0B7E3BEA-8A9A-3E75-761E-70B82886E40A}"/>
+              </a:ext>
+            </a:extLst>
+          </p:cNvPr>
+          <p:cNvPicPr>
+            <a:picLocks noChangeAspect="1"/>
+          </p:cNvPicPr>
+          <p:nvPr/>
+        </p:nvPicPr>
+        <p:blipFill>
+          <a:blip r:embed="rId2"/>
+          <a:stretch>
+            <a:fillRect/>
+          </a:stretch>
+        </p:blipFill>
+        <p:spPr>
+          <a:xfrm>
+            <a:off x="458787" y="431200"/>
+            <a:ext cx="11265127" cy="3595605"/>
+          </a:xfrm>
+          <a:prstGeom prst="rect">
+            <a:avLst/>
+          </a:prstGeom>
+        </p:spPr>
+      </p:pic>
+    </p:spTree>
+    <p:extLst>
+      <p:ext uri="{BB962C8B-B14F-4D97-AF65-F5344CB8AC3E}">
+        <p14:creationId xmlns:p14="http://schemas.microsoft.com/office/powerpoint/2010/main" val="565728471"/>
+      </p:ext>
+    </p:extLst>
+  </p:cSld>
+  <p:clrMapOvr>
+    <a:masterClrMapping/>
+  </p:clrMapOvr>
+</p:sld>
+</file>
+
+<file path=ppt/slides/slide11.xml><?xml version="1.0" encoding="utf-8"?>
+<p:sld xmlns:a="http://schemas.openxmlformats.org/drawingml/2006/main" xmlns:r="http://schemas.openxmlformats.org/officeDocument/2006/relationships" xmlns:p="http://schemas.openxmlformats.org/presentationml/2006/main">
+  <p:cSld>
+    <p:spTree>
+      <p:nvGrpSpPr>
+        <p:cNvPr id="1" name=""/>
+        <p:cNvGrpSpPr/>
+        <p:nvPr/>
+      </p:nvGrpSpPr>
+      <p:grpSpPr>
+        <a:xfrm>
+          <a:off x="0" y="0"/>
+          <a:ext cx="0" cy="0"/>
+          <a:chOff x="0" y="0"/>
+          <a:chExt cx="0" cy="0"/>
+        </a:xfrm>
+      </p:grpSpPr>
+      <p:pic>
+        <p:nvPicPr>
+          <p:cNvPr id="11" name="그림 10">
+            <a:extLst>
+              <a:ext uri="{FF2B5EF4-FFF2-40B4-BE49-F238E27FC236}">
+                <a16:creationId xmlns:a16="http://schemas.microsoft.com/office/drawing/2014/main" id="{2201AC1C-9121-1D43-8B13-9EA1DD8A9E9B}"/>
+              </a:ext>
+            </a:extLst>
+          </p:cNvPr>
+          <p:cNvPicPr>
+            <a:picLocks noChangeAspect="1"/>
+          </p:cNvPicPr>
+          <p:nvPr/>
+        </p:nvPicPr>
+        <p:blipFill>
+          <a:blip r:embed="rId2"/>
+          <a:stretch>
+            <a:fillRect/>
+          </a:stretch>
+        </p:blipFill>
+        <p:spPr>
+          <a:xfrm>
+            <a:off x="9416365" y="347436"/>
+            <a:ext cx="2404564" cy="6110513"/>
+          </a:xfrm>
+          <a:prstGeom prst="rect">
+            <a:avLst/>
+          </a:prstGeom>
+        </p:spPr>
+      </p:pic>
+      <p:pic>
+        <p:nvPicPr>
+          <p:cNvPr id="3" name="그림 2">
+            <a:extLst>
+              <a:ext uri="{FF2B5EF4-FFF2-40B4-BE49-F238E27FC236}">
+                <a16:creationId xmlns:a16="http://schemas.microsoft.com/office/drawing/2014/main" id="{779DDC02-2CD6-CB11-96E1-4DE3F90696F8}"/>
+              </a:ext>
+            </a:extLst>
+          </p:cNvPr>
+          <p:cNvPicPr>
+            <a:picLocks noChangeAspect="1"/>
+          </p:cNvPicPr>
+          <p:nvPr/>
+        </p:nvPicPr>
+        <p:blipFill>
+          <a:blip r:embed="rId3"/>
+          <a:stretch>
+            <a:fillRect/>
+          </a:stretch>
+        </p:blipFill>
+        <p:spPr>
+          <a:xfrm>
+            <a:off x="371071" y="400050"/>
+            <a:ext cx="2199386" cy="6057900"/>
+          </a:xfrm>
+          <a:prstGeom prst="rect">
+            <a:avLst/>
+          </a:prstGeom>
+        </p:spPr>
+      </p:pic>
+      <p:pic>
+        <p:nvPicPr>
+          <p:cNvPr id="5" name="그림 4">
+            <a:extLst>
+              <a:ext uri="{FF2B5EF4-FFF2-40B4-BE49-F238E27FC236}">
+                <a16:creationId xmlns:a16="http://schemas.microsoft.com/office/drawing/2014/main" id="{32250A61-B713-C5C1-3397-B1866B4D9EC0}"/>
+              </a:ext>
+            </a:extLst>
+          </p:cNvPr>
+          <p:cNvPicPr>
+            <a:picLocks noChangeAspect="1"/>
+          </p:cNvPicPr>
+          <p:nvPr/>
+        </p:nvPicPr>
+        <p:blipFill>
+          <a:blip r:embed="rId4"/>
+          <a:stretch>
+            <a:fillRect/>
+          </a:stretch>
+        </p:blipFill>
+        <p:spPr>
+          <a:xfrm>
+            <a:off x="2570457" y="400050"/>
+            <a:ext cx="1959664" cy="6110513"/>
+          </a:xfrm>
+          <a:prstGeom prst="rect">
+            <a:avLst/>
+          </a:prstGeom>
+        </p:spPr>
+      </p:pic>
+      <p:pic>
+        <p:nvPicPr>
+          <p:cNvPr id="7" name="그림 6">
+            <a:extLst>
+              <a:ext uri="{FF2B5EF4-FFF2-40B4-BE49-F238E27FC236}">
+                <a16:creationId xmlns:a16="http://schemas.microsoft.com/office/drawing/2014/main" id="{0072EE6B-320E-447B-19DA-5464EF319B23}"/>
+              </a:ext>
+            </a:extLst>
+          </p:cNvPr>
+          <p:cNvPicPr>
+            <a:picLocks noChangeAspect="1"/>
+          </p:cNvPicPr>
+          <p:nvPr/>
+        </p:nvPicPr>
+        <p:blipFill>
+          <a:blip r:embed="rId5"/>
+          <a:stretch>
+            <a:fillRect/>
+          </a:stretch>
+        </p:blipFill>
+        <p:spPr>
+          <a:xfrm>
+            <a:off x="4530121" y="347437"/>
+            <a:ext cx="1772708" cy="6159128"/>
+          </a:xfrm>
+          <a:prstGeom prst="rect">
+            <a:avLst/>
+          </a:prstGeom>
+        </p:spPr>
+      </p:pic>
+      <p:pic>
+        <p:nvPicPr>
+          <p:cNvPr id="9" name="그림 8">
+            <a:extLst>
+              <a:ext uri="{FF2B5EF4-FFF2-40B4-BE49-F238E27FC236}">
+                <a16:creationId xmlns:a16="http://schemas.microsoft.com/office/drawing/2014/main" id="{FB61D77B-04E5-CF86-B739-F0C27EC233FD}"/>
+              </a:ext>
+            </a:extLst>
+          </p:cNvPr>
+          <p:cNvPicPr>
+            <a:picLocks noChangeAspect="1"/>
+          </p:cNvPicPr>
+          <p:nvPr/>
+        </p:nvPicPr>
+        <p:blipFill>
+          <a:blip r:embed="rId6"/>
+          <a:stretch>
+            <a:fillRect/>
+          </a:stretch>
+        </p:blipFill>
+        <p:spPr>
+          <a:xfrm>
+            <a:off x="6729508" y="347437"/>
+            <a:ext cx="2686857" cy="6114782"/>
+          </a:xfrm>
+          <a:prstGeom prst="rect">
+            <a:avLst/>
+          </a:prstGeom>
+        </p:spPr>
+      </p:pic>
+    </p:spTree>
+    <p:extLst>
+      <p:ext uri="{BB962C8B-B14F-4D97-AF65-F5344CB8AC3E}">
+        <p14:creationId xmlns:p14="http://schemas.microsoft.com/office/powerpoint/2010/main" val="2536244830"/>
+      </p:ext>
+    </p:extLst>
+  </p:cSld>
+  <p:clrMapOvr>
+    <a:masterClrMapping/>
+  </p:clrMapOvr>
+</p:sld>
+</file>
+
+<file path=ppt/slides/slide12.xml><?xml version="1.0" encoding="utf-8"?>
+<p:sld xmlns:a="http://schemas.openxmlformats.org/drawingml/2006/main" xmlns:r="http://schemas.openxmlformats.org/officeDocument/2006/relationships" xmlns:p="http://schemas.openxmlformats.org/presentationml/2006/main">
+  <p:cSld>
+    <p:spTree>
+      <p:nvGrpSpPr>
+        <p:cNvPr id="1" name=""/>
+        <p:cNvGrpSpPr/>
+        <p:nvPr/>
+      </p:nvGrpSpPr>
+      <p:grpSpPr>
+        <a:xfrm>
+          <a:off x="0" y="0"/>
+          <a:ext cx="0" cy="0"/>
+          <a:chOff x="0" y="0"/>
+          <a:chExt cx="0" cy="0"/>
+        </a:xfrm>
+      </p:grpSpPr>
+      <p:pic>
+        <p:nvPicPr>
           <p:cNvPr id="9" name="그림 8">
             <a:extLst>
               <a:ext uri="{FF2B5EF4-FFF2-40B4-BE49-F238E27FC236}">
@@ -4248,7 +4494,7 @@
 </p:sld>
 </file>
 
-<file path=ppt/slides/slide11.xml><?xml version="1.0" encoding="utf-8"?>
+<file path=ppt/slides/slide13.xml><?xml version="1.0" encoding="utf-8"?>
 <p:sld xmlns:a="http://schemas.openxmlformats.org/drawingml/2006/main" xmlns:r="http://schemas.openxmlformats.org/officeDocument/2006/relationships" xmlns:p="http://schemas.openxmlformats.org/presentationml/2006/main">
   <p:cSld>
     <p:spTree>
@@ -5302,7 +5548,7 @@
 </p:sld>
 </file>
 
-<file path=ppt/slides/slide12.xml><?xml version="1.0" encoding="utf-8"?>
+<file path=ppt/slides/slide14.xml><?xml version="1.0" encoding="utf-8"?>
 <p:sld xmlns:a="http://schemas.openxmlformats.org/drawingml/2006/main" xmlns:r="http://schemas.openxmlformats.org/officeDocument/2006/relationships" xmlns:p="http://schemas.openxmlformats.org/presentationml/2006/main">
   <p:cSld>
     <p:spTree>
@@ -5628,7 +5874,7 @@
 </p:sld>
 </file>
 
-<file path=ppt/slides/slide13.xml><?xml version="1.0" encoding="utf-8"?>
+<file path=ppt/slides/slide15.xml><?xml version="1.0" encoding="utf-8"?>
 <p:sld xmlns:a="http://schemas.openxmlformats.org/drawingml/2006/main" xmlns:r="http://schemas.openxmlformats.org/officeDocument/2006/relationships" xmlns:p="http://schemas.openxmlformats.org/presentationml/2006/main">
   <p:cSld>
     <p:spTree>
@@ -5688,7 +5934,7 @@
 </p:sld>
 </file>
 
-<file path=ppt/slides/slide14.xml><?xml version="1.0" encoding="utf-8"?>
+<file path=ppt/slides/slide16.xml><?xml version="1.0" encoding="utf-8"?>
 <p:sld xmlns:a="http://schemas.openxmlformats.org/drawingml/2006/main" xmlns:r="http://schemas.openxmlformats.org/officeDocument/2006/relationships" xmlns:p="http://schemas.openxmlformats.org/presentationml/2006/main">
   <p:cSld>
     <p:spTree>
@@ -5804,7 +6050,7 @@
 </p:sld>
 </file>
 
-<file path=ppt/slides/slide15.xml><?xml version="1.0" encoding="utf-8"?>
+<file path=ppt/slides/slide17.xml><?xml version="1.0" encoding="utf-8"?>
 <p:sld xmlns:a="http://schemas.openxmlformats.org/drawingml/2006/main" xmlns:r="http://schemas.openxmlformats.org/officeDocument/2006/relationships" xmlns:p="http://schemas.openxmlformats.org/presentationml/2006/main">
   <p:cSld>
     <p:spTree>
@@ -5894,7 +6140,7 @@
 </p:sld>
 </file>
 
-<file path=ppt/slides/slide16.xml><?xml version="1.0" encoding="utf-8"?>
+<file path=ppt/slides/slide18.xml><?xml version="1.0" encoding="utf-8"?>
 <p:sld xmlns:a="http://schemas.openxmlformats.org/drawingml/2006/main" xmlns:r="http://schemas.openxmlformats.org/officeDocument/2006/relationships" xmlns:p="http://schemas.openxmlformats.org/presentationml/2006/main">
   <p:cSld>
     <p:spTree>
@@ -5984,7 +6230,253 @@
 </p:sld>
 </file>
 
-<file path=ppt/slides/slide17.xml><?xml version="1.0" encoding="utf-8"?>
+<file path=ppt/slides/slide19.xml><?xml version="1.0" encoding="utf-8"?>
+<p:sld xmlns:a="http://schemas.openxmlformats.org/drawingml/2006/main" xmlns:r="http://schemas.openxmlformats.org/officeDocument/2006/relationships" xmlns:p="http://schemas.openxmlformats.org/presentationml/2006/main">
+  <p:cSld>
+    <p:spTree>
+      <p:nvGrpSpPr>
+        <p:cNvPr id="1" name=""/>
+        <p:cNvGrpSpPr/>
+        <p:nvPr/>
+      </p:nvGrpSpPr>
+      <p:grpSpPr>
+        <a:xfrm>
+          <a:off x="0" y="0"/>
+          <a:ext cx="0" cy="0"/>
+          <a:chOff x="0" y="0"/>
+          <a:chExt cx="0" cy="0"/>
+        </a:xfrm>
+      </p:grpSpPr>
+      <p:sp>
+        <p:nvSpPr>
+          <p:cNvPr id="2" name="TextBox 1">
+            <a:extLst>
+              <a:ext uri="{FF2B5EF4-FFF2-40B4-BE49-F238E27FC236}">
+                <a16:creationId xmlns:a16="http://schemas.microsoft.com/office/drawing/2014/main" id="{6D5E47BA-144B-6E25-E282-8F211ABD5221}"/>
+              </a:ext>
+            </a:extLst>
+          </p:cNvPr>
+          <p:cNvSpPr txBox="1"/>
+          <p:nvPr/>
+        </p:nvSpPr>
+        <p:spPr>
+          <a:xfrm>
+            <a:off x="1139371" y="2610838"/>
+            <a:ext cx="9913258" cy="830997"/>
+          </a:xfrm>
+          <a:prstGeom prst="rect">
+            <a:avLst/>
+          </a:prstGeom>
+          <a:noFill/>
+        </p:spPr>
+        <p:txBody>
+          <a:bodyPr wrap="square" rtlCol="0">
+            <a:spAutoFit/>
+          </a:bodyPr>
+          <a:lstStyle/>
+          <a:p>
+            <a:pPr algn="ctr"/>
+            <a:r>
+              <a:rPr lang="en-US" altLang="ko-KR" sz="4800" b="1" dirty="0">
+                <a:solidFill>
+                  <a:schemeClr val="accent1"/>
+                </a:solidFill>
+                <a:latin typeface="+mn-ea"/>
+              </a:rPr>
+              <a:t>&lt; </a:t>
+            </a:r>
+            <a:r>
+              <a:rPr lang="ko-KR" altLang="en-US" sz="4800" b="1" dirty="0">
+                <a:solidFill>
+                  <a:schemeClr val="accent1"/>
+                </a:solidFill>
+                <a:latin typeface="+mn-ea"/>
+              </a:rPr>
+              <a:t>시간</a:t>
+            </a:r>
+            <a:r>
+              <a:rPr lang="en-US" altLang="ko-KR" sz="4800" b="1" dirty="0">
+                <a:solidFill>
+                  <a:schemeClr val="accent1"/>
+                </a:solidFill>
+                <a:latin typeface="+mn-ea"/>
+              </a:rPr>
+              <a:t>, </a:t>
+            </a:r>
+            <a:r>
+              <a:rPr lang="ko-KR" altLang="en-US" sz="4800" b="1" dirty="0">
+                <a:solidFill>
+                  <a:schemeClr val="accent1"/>
+                </a:solidFill>
+                <a:latin typeface="+mn-ea"/>
+              </a:rPr>
+              <a:t>난수 발생 </a:t>
+            </a:r>
+            <a:r>
+              <a:rPr lang="en-US" altLang="ko-KR" sz="4800" b="1" dirty="0">
+                <a:solidFill>
+                  <a:schemeClr val="accent1"/>
+                </a:solidFill>
+                <a:latin typeface="+mn-ea"/>
+              </a:rPr>
+              <a:t>&gt;</a:t>
+            </a:r>
+            <a:endParaRPr lang="ko-KR" altLang="en-US" sz="4800" b="1" dirty="0">
+              <a:solidFill>
+                <a:schemeClr val="accent1"/>
+              </a:solidFill>
+              <a:latin typeface="+mn-ea"/>
+            </a:endParaRPr>
+          </a:p>
+        </p:txBody>
+      </p:sp>
+    </p:spTree>
+    <p:extLst>
+      <p:ext uri="{BB962C8B-B14F-4D97-AF65-F5344CB8AC3E}">
+        <p14:creationId xmlns:p14="http://schemas.microsoft.com/office/powerpoint/2010/main" val="3359486057"/>
+      </p:ext>
+    </p:extLst>
+  </p:cSld>
+  <p:clrMapOvr>
+    <a:masterClrMapping/>
+  </p:clrMapOvr>
+</p:sld>
+</file>
+
+<file path=ppt/slides/slide2.xml><?xml version="1.0" encoding="utf-8"?>
+<p:sld xmlns:a="http://schemas.openxmlformats.org/drawingml/2006/main" xmlns:r="http://schemas.openxmlformats.org/officeDocument/2006/relationships" xmlns:p="http://schemas.openxmlformats.org/presentationml/2006/main">
+  <p:cSld>
+    <p:spTree>
+      <p:nvGrpSpPr>
+        <p:cNvPr id="1" name=""/>
+        <p:cNvGrpSpPr/>
+        <p:nvPr/>
+      </p:nvGrpSpPr>
+      <p:grpSpPr>
+        <a:xfrm>
+          <a:off x="0" y="0"/>
+          <a:ext cx="0" cy="0"/>
+          <a:chOff x="0" y="0"/>
+          <a:chExt cx="0" cy="0"/>
+        </a:xfrm>
+      </p:grpSpPr>
+      <p:sp>
+        <p:nvSpPr>
+          <p:cNvPr id="2" name="제목 1">
+            <a:extLst>
+              <a:ext uri="{FF2B5EF4-FFF2-40B4-BE49-F238E27FC236}">
+                <a16:creationId xmlns:a16="http://schemas.microsoft.com/office/drawing/2014/main" id="{0E0D856F-4106-A50C-D169-B97267D7C681}"/>
+              </a:ext>
+            </a:extLst>
+          </p:cNvPr>
+          <p:cNvSpPr>
+            <a:spLocks noGrp="1"/>
+          </p:cNvSpPr>
+          <p:nvPr>
+            <p:ph type="title"/>
+          </p:nvPr>
+        </p:nvSpPr>
+        <p:spPr/>
+        <p:txBody>
+          <a:bodyPr/>
+          <a:lstStyle/>
+          <a:p>
+            <a:r>
+              <a:rPr lang="en-US" altLang="ko-KR" b="1" dirty="0"/>
+              <a:t>&lt; </a:t>
+            </a:r>
+            <a:r>
+              <a:rPr lang="ko-KR" altLang="en-US" b="1" dirty="0"/>
+              <a:t>학습 내용 </a:t>
+            </a:r>
+            <a:r>
+              <a:rPr lang="en-US" altLang="ko-KR" b="1" dirty="0"/>
+              <a:t>&gt;</a:t>
+            </a:r>
+            <a:endParaRPr lang="ko-KR" altLang="en-US" b="1" dirty="0"/>
+          </a:p>
+        </p:txBody>
+      </p:sp>
+      <p:sp>
+        <p:nvSpPr>
+          <p:cNvPr id="3" name="세로 텍스트 개체 틀 2">
+            <a:extLst>
+              <a:ext uri="{FF2B5EF4-FFF2-40B4-BE49-F238E27FC236}">
+                <a16:creationId xmlns:a16="http://schemas.microsoft.com/office/drawing/2014/main" id="{29490A46-00F2-4D62-ABCC-029E4074B162}"/>
+              </a:ext>
+            </a:extLst>
+          </p:cNvPr>
+          <p:cNvSpPr>
+            <a:spLocks noGrp="1"/>
+          </p:cNvSpPr>
+          <p:nvPr>
+            <p:ph type="body" orient="vert" idx="1"/>
+          </p:nvPr>
+        </p:nvSpPr>
+        <p:spPr/>
+        <p:txBody>
+          <a:bodyPr vert="horz">
+            <a:normAutofit/>
+          </a:bodyPr>
+          <a:lstStyle/>
+          <a:p>
+            <a:r>
+              <a:rPr lang="ko-KR" altLang="en-US" sz="4000" dirty="0"/>
+              <a:t> 수학</a:t>
+            </a:r>
+            <a:endParaRPr lang="en-US" altLang="ko-KR" sz="4000" dirty="0"/>
+          </a:p>
+          <a:p>
+            <a:endParaRPr lang="en-US" altLang="ko-KR" sz="4000" dirty="0"/>
+          </a:p>
+          <a:p>
+            <a:r>
+              <a:rPr lang="ko-KR" altLang="en-US" sz="4000" dirty="0"/>
+              <a:t> 시간</a:t>
+            </a:r>
+            <a:r>
+              <a:rPr lang="en-US" altLang="ko-KR" sz="4000" dirty="0"/>
+              <a:t>, </a:t>
+            </a:r>
+            <a:r>
+              <a:rPr lang="ko-KR" altLang="en-US" sz="4000" dirty="0"/>
+              <a:t>난수 발생</a:t>
+            </a:r>
+            <a:endParaRPr lang="en-US" altLang="ko-KR" sz="4000" dirty="0"/>
+          </a:p>
+          <a:p>
+            <a:endParaRPr lang="en-US" altLang="ko-KR" sz="4000" dirty="0"/>
+          </a:p>
+          <a:p>
+            <a:r>
+              <a:rPr lang="ko-KR" altLang="en-US" sz="4000" dirty="0"/>
+              <a:t> </a:t>
+            </a:r>
+            <a:r>
+              <a:rPr lang="en-US" altLang="ko-KR" sz="4000" dirty="0"/>
+              <a:t>sys</a:t>
+            </a:r>
+            <a:r>
+              <a:rPr lang="ko-KR" altLang="en-US" sz="4000" dirty="0"/>
+              <a:t> 모듈</a:t>
+            </a:r>
+          </a:p>
+        </p:txBody>
+      </p:sp>
+    </p:spTree>
+    <p:extLst>
+      <p:ext uri="{BB962C8B-B14F-4D97-AF65-F5344CB8AC3E}">
+        <p14:creationId xmlns:p14="http://schemas.microsoft.com/office/powerpoint/2010/main" val="618819181"/>
+      </p:ext>
+    </p:extLst>
+  </p:cSld>
+  <p:clrMapOvr>
+    <a:masterClrMapping/>
+  </p:clrMapOvr>
+</p:sld>
+</file>
+
+<file path=ppt/slides/slide20.xml><?xml version="1.0" encoding="utf-8"?>
 <p:sld xmlns:a="http://schemas.openxmlformats.org/drawingml/2006/main" xmlns:r="http://schemas.openxmlformats.org/officeDocument/2006/relationships" xmlns:p="http://schemas.openxmlformats.org/presentationml/2006/main">
   <p:cSld>
     <p:spTree>
@@ -6074,7 +6566,7 @@
 </p:sld>
 </file>
 
-<file path=ppt/slides/slide18.xml><?xml version="1.0" encoding="utf-8"?>
+<file path=ppt/slides/slide21.xml><?xml version="1.0" encoding="utf-8"?>
 <p:sld xmlns:a="http://schemas.openxmlformats.org/drawingml/2006/main" xmlns:r="http://schemas.openxmlformats.org/officeDocument/2006/relationships" xmlns:p="http://schemas.openxmlformats.org/presentationml/2006/main">
   <p:cSld>
     <p:spTree>
@@ -6164,7 +6656,7 @@
 </p:sld>
 </file>
 
-<file path=ppt/slides/slide19.xml><?xml version="1.0" encoding="utf-8"?>
+<file path=ppt/slides/slide22.xml><?xml version="1.0" encoding="utf-8"?>
 <p:sld xmlns:a="http://schemas.openxmlformats.org/drawingml/2006/main" xmlns:r="http://schemas.openxmlformats.org/officeDocument/2006/relationships" xmlns:p="http://schemas.openxmlformats.org/presentationml/2006/main">
   <p:cSld>
     <p:spTree>
@@ -6254,97 +6746,7 @@
 </p:sld>
 </file>
 
-<file path=ppt/slides/slide2.xml><?xml version="1.0" encoding="utf-8"?>
-<p:sld xmlns:a="http://schemas.openxmlformats.org/drawingml/2006/main" xmlns:r="http://schemas.openxmlformats.org/officeDocument/2006/relationships" xmlns:p="http://schemas.openxmlformats.org/presentationml/2006/main">
-  <p:cSld>
-    <p:spTree>
-      <p:nvGrpSpPr>
-        <p:cNvPr id="1" name=""/>
-        <p:cNvGrpSpPr/>
-        <p:nvPr/>
-      </p:nvGrpSpPr>
-      <p:grpSpPr>
-        <a:xfrm>
-          <a:off x="0" y="0"/>
-          <a:ext cx="0" cy="0"/>
-          <a:chOff x="0" y="0"/>
-          <a:chExt cx="0" cy="0"/>
-        </a:xfrm>
-      </p:grpSpPr>
-      <p:pic>
-        <p:nvPicPr>
-          <p:cNvPr id="3" name="그림 2">
-            <a:extLst>
-              <a:ext uri="{FF2B5EF4-FFF2-40B4-BE49-F238E27FC236}">
-                <a16:creationId xmlns:a16="http://schemas.microsoft.com/office/drawing/2014/main" id="{803BD104-9474-F81A-0706-F545E5CBA5B7}"/>
-              </a:ext>
-            </a:extLst>
-          </p:cNvPr>
-          <p:cNvPicPr>
-            <a:picLocks noChangeAspect="1"/>
-          </p:cNvPicPr>
-          <p:nvPr/>
-        </p:nvPicPr>
-        <p:blipFill>
-          <a:blip r:embed="rId2"/>
-          <a:stretch>
-            <a:fillRect/>
-          </a:stretch>
-        </p:blipFill>
-        <p:spPr>
-          <a:xfrm>
-            <a:off x="453992" y="378647"/>
-            <a:ext cx="7693965" cy="4929604"/>
-          </a:xfrm>
-          <a:prstGeom prst="rect">
-            <a:avLst/>
-          </a:prstGeom>
-        </p:spPr>
-      </p:pic>
-      <p:pic>
-        <p:nvPicPr>
-          <p:cNvPr id="5" name="그림 4">
-            <a:extLst>
-              <a:ext uri="{FF2B5EF4-FFF2-40B4-BE49-F238E27FC236}">
-                <a16:creationId xmlns:a16="http://schemas.microsoft.com/office/drawing/2014/main" id="{8E5A8E0A-A3C3-303C-2EAA-B814ADD36541}"/>
-              </a:ext>
-            </a:extLst>
-          </p:cNvPr>
-          <p:cNvPicPr>
-            <a:picLocks noChangeAspect="1"/>
-          </p:cNvPicPr>
-          <p:nvPr/>
-        </p:nvPicPr>
-        <p:blipFill>
-          <a:blip r:embed="rId3"/>
-          <a:stretch>
-            <a:fillRect/>
-          </a:stretch>
-        </p:blipFill>
-        <p:spPr>
-          <a:xfrm>
-            <a:off x="453992" y="5458821"/>
-            <a:ext cx="2942352" cy="1055188"/>
-          </a:xfrm>
-          <a:prstGeom prst="rect">
-            <a:avLst/>
-          </a:prstGeom>
-        </p:spPr>
-      </p:pic>
-    </p:spTree>
-    <p:extLst>
-      <p:ext uri="{BB962C8B-B14F-4D97-AF65-F5344CB8AC3E}">
-        <p14:creationId xmlns:p14="http://schemas.microsoft.com/office/powerpoint/2010/main" val="3806438290"/>
-      </p:ext>
-    </p:extLst>
-  </p:cSld>
-  <p:clrMapOvr>
-    <a:masterClrMapping/>
-  </p:clrMapOvr>
-</p:sld>
-</file>
-
-<file path=ppt/slides/slide20.xml><?xml version="1.0" encoding="utf-8"?>
+<file path=ppt/slides/slide23.xml><?xml version="1.0" encoding="utf-8"?>
 <p:sld xmlns:a="http://schemas.openxmlformats.org/drawingml/2006/main" xmlns:r="http://schemas.openxmlformats.org/officeDocument/2006/relationships" xmlns:p="http://schemas.openxmlformats.org/presentationml/2006/main">
   <p:cSld>
     <p:spTree>
@@ -6434,7 +6836,7 @@
 </p:sld>
 </file>
 
-<file path=ppt/slides/slide21.xml><?xml version="1.0" encoding="utf-8"?>
+<file path=ppt/slides/slide24.xml><?xml version="1.0" encoding="utf-8"?>
 <p:sld xmlns:a="http://schemas.openxmlformats.org/drawingml/2006/main" xmlns:r="http://schemas.openxmlformats.org/officeDocument/2006/relationships" xmlns:p="http://schemas.openxmlformats.org/presentationml/2006/main">
   <p:cSld>
     <p:spTree>
@@ -6524,7 +6926,7 @@
 </p:sld>
 </file>
 
-<file path=ppt/slides/slide22.xml><?xml version="1.0" encoding="utf-8"?>
+<file path=ppt/slides/slide25.xml><?xml version="1.0" encoding="utf-8"?>
 <p:sld xmlns:a="http://schemas.openxmlformats.org/drawingml/2006/main" xmlns:r="http://schemas.openxmlformats.org/officeDocument/2006/relationships" xmlns:p="http://schemas.openxmlformats.org/presentationml/2006/main">
   <p:cSld>
     <p:spTree>
@@ -6584,7 +6986,7 @@
 </p:sld>
 </file>
 
-<file path=ppt/slides/slide23.xml><?xml version="1.0" encoding="utf-8"?>
+<file path=ppt/slides/slide26.xml><?xml version="1.0" encoding="utf-8"?>
 <p:sld xmlns:a="http://schemas.openxmlformats.org/drawingml/2006/main" xmlns:r="http://schemas.openxmlformats.org/officeDocument/2006/relationships" xmlns:p="http://schemas.openxmlformats.org/presentationml/2006/main">
   <p:cSld>
     <p:spTree>
@@ -6700,7 +7102,102 @@
 </p:sld>
 </file>
 
-<file path=ppt/slides/slide24.xml><?xml version="1.0" encoding="utf-8"?>
+<file path=ppt/slides/slide27.xml><?xml version="1.0" encoding="utf-8"?>
+<p:sld xmlns:a="http://schemas.openxmlformats.org/drawingml/2006/main" xmlns:r="http://schemas.openxmlformats.org/officeDocument/2006/relationships" xmlns:p="http://schemas.openxmlformats.org/presentationml/2006/main">
+  <p:cSld>
+    <p:spTree>
+      <p:nvGrpSpPr>
+        <p:cNvPr id="1" name=""/>
+        <p:cNvGrpSpPr/>
+        <p:nvPr/>
+      </p:nvGrpSpPr>
+      <p:grpSpPr>
+        <a:xfrm>
+          <a:off x="0" y="0"/>
+          <a:ext cx="0" cy="0"/>
+          <a:chOff x="0" y="0"/>
+          <a:chExt cx="0" cy="0"/>
+        </a:xfrm>
+      </p:grpSpPr>
+      <p:sp>
+        <p:nvSpPr>
+          <p:cNvPr id="2" name="TextBox 1">
+            <a:extLst>
+              <a:ext uri="{FF2B5EF4-FFF2-40B4-BE49-F238E27FC236}">
+                <a16:creationId xmlns:a16="http://schemas.microsoft.com/office/drawing/2014/main" id="{6D5E47BA-144B-6E25-E282-8F211ABD5221}"/>
+              </a:ext>
+            </a:extLst>
+          </p:cNvPr>
+          <p:cNvSpPr txBox="1"/>
+          <p:nvPr/>
+        </p:nvSpPr>
+        <p:spPr>
+          <a:xfrm>
+            <a:off x="1139371" y="2610838"/>
+            <a:ext cx="9913258" cy="830997"/>
+          </a:xfrm>
+          <a:prstGeom prst="rect">
+            <a:avLst/>
+          </a:prstGeom>
+          <a:noFill/>
+        </p:spPr>
+        <p:txBody>
+          <a:bodyPr wrap="square" rtlCol="0">
+            <a:spAutoFit/>
+          </a:bodyPr>
+          <a:lstStyle/>
+          <a:p>
+            <a:pPr algn="ctr"/>
+            <a:r>
+              <a:rPr lang="en-US" altLang="ko-KR" sz="4800" b="1" dirty="0">
+                <a:solidFill>
+                  <a:schemeClr val="accent1"/>
+                </a:solidFill>
+                <a:latin typeface="+mn-ea"/>
+              </a:rPr>
+              <a:t>&lt; sys </a:t>
+            </a:r>
+            <a:r>
+              <a:rPr lang="ko-KR" altLang="en-US" sz="4800" b="1" dirty="0">
+                <a:solidFill>
+                  <a:schemeClr val="accent1"/>
+                </a:solidFill>
+                <a:latin typeface="+mn-ea"/>
+              </a:rPr>
+              <a:t>모듈 </a:t>
+            </a:r>
+            <a:r>
+              <a:rPr lang="en-US" altLang="ko-KR" sz="4800" b="1" dirty="0">
+                <a:solidFill>
+                  <a:schemeClr val="accent1"/>
+                </a:solidFill>
+                <a:latin typeface="+mn-ea"/>
+              </a:rPr>
+              <a:t>&gt;</a:t>
+            </a:r>
+            <a:endParaRPr lang="ko-KR" altLang="en-US" sz="4800" b="1" dirty="0">
+              <a:solidFill>
+                <a:schemeClr val="accent1"/>
+              </a:solidFill>
+              <a:latin typeface="+mn-ea"/>
+            </a:endParaRPr>
+          </a:p>
+        </p:txBody>
+      </p:sp>
+    </p:spTree>
+    <p:extLst>
+      <p:ext uri="{BB962C8B-B14F-4D97-AF65-F5344CB8AC3E}">
+        <p14:creationId xmlns:p14="http://schemas.microsoft.com/office/powerpoint/2010/main" val="2526215911"/>
+      </p:ext>
+    </p:extLst>
+  </p:cSld>
+  <p:clrMapOvr>
+    <a:masterClrMapping/>
+  </p:clrMapOvr>
+</p:sld>
+</file>
+
+<file path=ppt/slides/slide28.xml><?xml version="1.0" encoding="utf-8"?>
 <p:sld xmlns:a="http://schemas.openxmlformats.org/drawingml/2006/main" xmlns:r="http://schemas.openxmlformats.org/officeDocument/2006/relationships" xmlns:p="http://schemas.openxmlformats.org/presentationml/2006/main">
   <p:cSld>
     <p:spTree>
@@ -6790,7 +7287,7 @@
 </p:sld>
 </file>
 
-<file path=ppt/slides/slide25.xml><?xml version="1.0" encoding="utf-8"?>
+<file path=ppt/slides/slide29.xml><?xml version="1.0" encoding="utf-8"?>
 <p:sld xmlns:a="http://schemas.openxmlformats.org/drawingml/2006/main" xmlns:r="http://schemas.openxmlformats.org/officeDocument/2006/relationships" xmlns:p="http://schemas.openxmlformats.org/presentationml/2006/main">
   <p:cSld>
     <p:spTree>
@@ -6807,8 +7304,8 @@
           <a:chExt cx="0" cy="0"/>
         </a:xfrm>
       </p:grpSpPr>
-      <mc:AlternateContent xmlns:mc="http://schemas.openxmlformats.org/markup-compatibility/2006">
-        <mc:Choice xmlns:p14="http://schemas.microsoft.com/office/powerpoint/2010/main" Requires="p14">
+      <mc:AlternateContent xmlns:mc="http://schemas.openxmlformats.org/markup-compatibility/2006" xmlns:p14="http://schemas.microsoft.com/office/powerpoint/2010/main">
+        <mc:Choice Requires="p14">
           <p:contentPart p14:bwMode="auto" r:id="rId2">
             <p14:nvContentPartPr>
               <p14:cNvPr id="8" name="잉크 7">
@@ -6827,7 +7324,7 @@
             </p14:xfrm>
           </p:contentPart>
         </mc:Choice>
-        <mc:Fallback>
+        <mc:Fallback xmlns="">
           <p:pic>
             <p:nvPicPr>
               <p:cNvPr id="8" name="잉크 7">
@@ -6858,8 +7355,8 @@
           </p:pic>
         </mc:Fallback>
       </mc:AlternateContent>
-      <mc:AlternateContent xmlns:mc="http://schemas.openxmlformats.org/markup-compatibility/2006">
-        <mc:Choice xmlns:p14="http://schemas.microsoft.com/office/powerpoint/2010/main" Requires="p14">
+      <mc:AlternateContent xmlns:mc="http://schemas.openxmlformats.org/markup-compatibility/2006" xmlns:p14="http://schemas.microsoft.com/office/powerpoint/2010/main">
+        <mc:Choice Requires="p14">
           <p:contentPart p14:bwMode="auto" r:id="rId4">
             <p14:nvContentPartPr>
               <p14:cNvPr id="9" name="잉크 8">
@@ -6878,7 +7375,7 @@
             </p14:xfrm>
           </p:contentPart>
         </mc:Choice>
-        <mc:Fallback>
+        <mc:Fallback xmlns="">
           <p:pic>
             <p:nvPicPr>
               <p:cNvPr id="9" name="잉크 8">
@@ -6909,8 +7406,8 @@
           </p:pic>
         </mc:Fallback>
       </mc:AlternateContent>
-      <mc:AlternateContent xmlns:mc="http://schemas.openxmlformats.org/markup-compatibility/2006">
-        <mc:Choice xmlns:p14="http://schemas.microsoft.com/office/powerpoint/2010/main" Requires="p14">
+      <mc:AlternateContent xmlns:mc="http://schemas.openxmlformats.org/markup-compatibility/2006" xmlns:p14="http://schemas.microsoft.com/office/powerpoint/2010/main">
+        <mc:Choice Requires="p14">
           <p:contentPart p14:bwMode="auto" r:id="rId5">
             <p14:nvContentPartPr>
               <p14:cNvPr id="10" name="잉크 9">
@@ -6929,7 +7426,7 @@
             </p14:xfrm>
           </p:contentPart>
         </mc:Choice>
-        <mc:Fallback>
+        <mc:Fallback xmlns="">
           <p:pic>
             <p:nvPicPr>
               <p:cNvPr id="10" name="잉크 9">
@@ -6960,8 +7457,8 @@
           </p:pic>
         </mc:Fallback>
       </mc:AlternateContent>
-      <mc:AlternateContent xmlns:mc="http://schemas.openxmlformats.org/markup-compatibility/2006">
-        <mc:Choice xmlns:p14="http://schemas.microsoft.com/office/powerpoint/2010/main" Requires="p14">
+      <mc:AlternateContent xmlns:mc="http://schemas.openxmlformats.org/markup-compatibility/2006" xmlns:p14="http://schemas.microsoft.com/office/powerpoint/2010/main">
+        <mc:Choice Requires="p14">
           <p:contentPart p14:bwMode="auto" r:id="rId6">
             <p14:nvContentPartPr>
               <p14:cNvPr id="11" name="잉크 10">
@@ -6980,7 +7477,7 @@
             </p14:xfrm>
           </p:contentPart>
         </mc:Choice>
-        <mc:Fallback>
+        <mc:Fallback xmlns="">
           <p:pic>
             <p:nvPicPr>
               <p:cNvPr id="11" name="잉크 10">
@@ -7011,8 +7508,8 @@
           </p:pic>
         </mc:Fallback>
       </mc:AlternateContent>
-      <mc:AlternateContent xmlns:mc="http://schemas.openxmlformats.org/markup-compatibility/2006">
-        <mc:Choice xmlns:p14="http://schemas.microsoft.com/office/powerpoint/2010/main" Requires="p14">
+      <mc:AlternateContent xmlns:mc="http://schemas.openxmlformats.org/markup-compatibility/2006" xmlns:p14="http://schemas.microsoft.com/office/powerpoint/2010/main">
+        <mc:Choice Requires="p14">
           <p:contentPart p14:bwMode="auto" r:id="rId8">
             <p14:nvContentPartPr>
               <p14:cNvPr id="12" name="잉크 11">
@@ -7031,7 +7528,7 @@
             </p14:xfrm>
           </p:contentPart>
         </mc:Choice>
-        <mc:Fallback>
+        <mc:Fallback xmlns="">
           <p:pic>
             <p:nvPicPr>
               <p:cNvPr id="12" name="잉크 11">
@@ -7135,7 +7632,102 @@
 </p:sld>
 </file>
 
-<file path=ppt/slides/slide26.xml><?xml version="1.0" encoding="utf-8"?>
+<file path=ppt/slides/slide3.xml><?xml version="1.0" encoding="utf-8"?>
+<p:sld xmlns:a="http://schemas.openxmlformats.org/drawingml/2006/main" xmlns:r="http://schemas.openxmlformats.org/officeDocument/2006/relationships" xmlns:p="http://schemas.openxmlformats.org/presentationml/2006/main">
+  <p:cSld>
+    <p:spTree>
+      <p:nvGrpSpPr>
+        <p:cNvPr id="1" name=""/>
+        <p:cNvGrpSpPr/>
+        <p:nvPr/>
+      </p:nvGrpSpPr>
+      <p:grpSpPr>
+        <a:xfrm>
+          <a:off x="0" y="0"/>
+          <a:ext cx="0" cy="0"/>
+          <a:chOff x="0" y="0"/>
+          <a:chExt cx="0" cy="0"/>
+        </a:xfrm>
+      </p:grpSpPr>
+      <p:sp>
+        <p:nvSpPr>
+          <p:cNvPr id="2" name="TextBox 1">
+            <a:extLst>
+              <a:ext uri="{FF2B5EF4-FFF2-40B4-BE49-F238E27FC236}">
+                <a16:creationId xmlns:a16="http://schemas.microsoft.com/office/drawing/2014/main" id="{6D5E47BA-144B-6E25-E282-8F211ABD5221}"/>
+              </a:ext>
+            </a:extLst>
+          </p:cNvPr>
+          <p:cNvSpPr txBox="1"/>
+          <p:nvPr/>
+        </p:nvSpPr>
+        <p:spPr>
+          <a:xfrm>
+            <a:off x="1139371" y="2610838"/>
+            <a:ext cx="9913258" cy="830997"/>
+          </a:xfrm>
+          <a:prstGeom prst="rect">
+            <a:avLst/>
+          </a:prstGeom>
+          <a:noFill/>
+        </p:spPr>
+        <p:txBody>
+          <a:bodyPr wrap="square" rtlCol="0">
+            <a:spAutoFit/>
+          </a:bodyPr>
+          <a:lstStyle/>
+          <a:p>
+            <a:pPr algn="ctr"/>
+            <a:r>
+              <a:rPr lang="en-US" altLang="ko-KR" sz="4800" b="1" dirty="0">
+                <a:solidFill>
+                  <a:schemeClr val="accent1"/>
+                </a:solidFill>
+                <a:latin typeface="+mn-ea"/>
+              </a:rPr>
+              <a:t>&lt; </a:t>
+            </a:r>
+            <a:r>
+              <a:rPr lang="ko-KR" altLang="en-US" sz="4800" b="1" dirty="0">
+                <a:solidFill>
+                  <a:schemeClr val="accent1"/>
+                </a:solidFill>
+                <a:latin typeface="+mn-ea"/>
+              </a:rPr>
+              <a:t>수학 </a:t>
+            </a:r>
+            <a:r>
+              <a:rPr lang="en-US" altLang="ko-KR" sz="4800" b="1" dirty="0">
+                <a:solidFill>
+                  <a:schemeClr val="accent1"/>
+                </a:solidFill>
+                <a:latin typeface="+mn-ea"/>
+              </a:rPr>
+              <a:t>&gt;</a:t>
+            </a:r>
+            <a:endParaRPr lang="ko-KR" altLang="en-US" sz="4800" b="1" dirty="0">
+              <a:solidFill>
+                <a:schemeClr val="accent1"/>
+              </a:solidFill>
+              <a:latin typeface="+mn-ea"/>
+            </a:endParaRPr>
+          </a:p>
+        </p:txBody>
+      </p:sp>
+    </p:spTree>
+    <p:extLst>
+      <p:ext uri="{BB962C8B-B14F-4D97-AF65-F5344CB8AC3E}">
+        <p14:creationId xmlns:p14="http://schemas.microsoft.com/office/powerpoint/2010/main" val="2450836371"/>
+      </p:ext>
+    </p:extLst>
+  </p:cSld>
+  <p:clrMapOvr>
+    <a:masterClrMapping/>
+  </p:clrMapOvr>
+</p:sld>
+</file>
+
+<file path=ppt/slides/slide30.xml><?xml version="1.0" encoding="utf-8"?>
 <p:sld xmlns:a="http://schemas.openxmlformats.org/drawingml/2006/main" xmlns:r="http://schemas.openxmlformats.org/officeDocument/2006/relationships" xmlns:p="http://schemas.openxmlformats.org/presentationml/2006/main">
   <p:cSld>
     <p:spTree>
@@ -7195,7 +7787,7 @@
 </p:sld>
 </file>
 
-<file path=ppt/slides/slide27.xml><?xml version="1.0" encoding="utf-8"?>
+<file path=ppt/slides/slide31.xml><?xml version="1.0" encoding="utf-8"?>
 <p:sld xmlns:a="http://schemas.openxmlformats.org/drawingml/2006/main" xmlns:r="http://schemas.openxmlformats.org/officeDocument/2006/relationships" xmlns:p="http://schemas.openxmlformats.org/presentationml/2006/main">
   <p:cSld>
     <p:spTree>
@@ -7255,7 +7847,7 @@
 </p:sld>
 </file>
 
-<file path=ppt/slides/slide28.xml><?xml version="1.0" encoding="utf-8"?>
+<file path=ppt/slides/slide32.xml><?xml version="1.0" encoding="utf-8"?>
 <p:sld xmlns:a="http://schemas.openxmlformats.org/drawingml/2006/main" xmlns:r="http://schemas.openxmlformats.org/officeDocument/2006/relationships" xmlns:p="http://schemas.openxmlformats.org/presentationml/2006/main">
   <p:cSld>
     <p:spTree>
@@ -7315,7 +7907,252 @@
 </p:sld>
 </file>
 
-<file path=ppt/slides/slide3.xml><?xml version="1.0" encoding="utf-8"?>
+<file path=ppt/slides/slide33.xml><?xml version="1.0" encoding="utf-8"?>
+<p:sld xmlns:a="http://schemas.openxmlformats.org/drawingml/2006/main" xmlns:r="http://schemas.openxmlformats.org/officeDocument/2006/relationships" xmlns:p="http://schemas.openxmlformats.org/presentationml/2006/main">
+  <p:cSld>
+    <p:spTree>
+      <p:nvGrpSpPr>
+        <p:cNvPr id="1" name=""/>
+        <p:cNvGrpSpPr/>
+        <p:nvPr/>
+      </p:nvGrpSpPr>
+      <p:grpSpPr>
+        <a:xfrm>
+          <a:off x="0" y="0"/>
+          <a:ext cx="0" cy="0"/>
+          <a:chOff x="0" y="0"/>
+          <a:chExt cx="0" cy="0"/>
+        </a:xfrm>
+      </p:grpSpPr>
+      <p:sp>
+        <p:nvSpPr>
+          <p:cNvPr id="2" name="TextBox 1">
+            <a:extLst>
+              <a:ext uri="{FF2B5EF4-FFF2-40B4-BE49-F238E27FC236}">
+                <a16:creationId xmlns:a16="http://schemas.microsoft.com/office/drawing/2014/main" id="{6D5E47BA-144B-6E25-E282-8F211ABD5221}"/>
+              </a:ext>
+            </a:extLst>
+          </p:cNvPr>
+          <p:cNvSpPr txBox="1"/>
+          <p:nvPr/>
+        </p:nvSpPr>
+        <p:spPr>
+          <a:xfrm>
+            <a:off x="1139371" y="2610838"/>
+            <a:ext cx="9913258" cy="830997"/>
+          </a:xfrm>
+          <a:prstGeom prst="rect">
+            <a:avLst/>
+          </a:prstGeom>
+          <a:noFill/>
+        </p:spPr>
+        <p:txBody>
+          <a:bodyPr wrap="square" rtlCol="0">
+            <a:spAutoFit/>
+          </a:bodyPr>
+          <a:lstStyle/>
+          <a:p>
+            <a:pPr algn="ctr"/>
+            <a:r>
+              <a:rPr lang="en-US" altLang="ko-KR" sz="4800" b="1" dirty="0">
+                <a:solidFill>
+                  <a:schemeClr val="accent1"/>
+                </a:solidFill>
+                <a:latin typeface="+mn-ea"/>
+              </a:rPr>
+              <a:t>&lt; </a:t>
+            </a:r>
+            <a:r>
+              <a:rPr lang="ko-KR" altLang="en-US" sz="4800" b="1" dirty="0">
+                <a:solidFill>
+                  <a:schemeClr val="accent1"/>
+                </a:solidFill>
+                <a:latin typeface="+mn-ea"/>
+              </a:rPr>
+              <a:t>정리하기 </a:t>
+            </a:r>
+            <a:r>
+              <a:rPr lang="en-US" altLang="ko-KR" sz="4800" b="1" dirty="0">
+                <a:solidFill>
+                  <a:schemeClr val="accent1"/>
+                </a:solidFill>
+                <a:latin typeface="+mn-ea"/>
+              </a:rPr>
+              <a:t>&gt;</a:t>
+            </a:r>
+            <a:endParaRPr lang="ko-KR" altLang="en-US" sz="4800" b="1" dirty="0">
+              <a:solidFill>
+                <a:schemeClr val="accent1"/>
+              </a:solidFill>
+              <a:latin typeface="+mn-ea"/>
+            </a:endParaRPr>
+          </a:p>
+        </p:txBody>
+      </p:sp>
+    </p:spTree>
+    <p:extLst>
+      <p:ext uri="{BB962C8B-B14F-4D97-AF65-F5344CB8AC3E}">
+        <p14:creationId xmlns:p14="http://schemas.microsoft.com/office/powerpoint/2010/main" val="3896227482"/>
+      </p:ext>
+    </p:extLst>
+  </p:cSld>
+  <p:clrMapOvr>
+    <a:masterClrMapping/>
+  </p:clrMapOvr>
+</p:sld>
+</file>
+
+<file path=ppt/slides/slide34.xml><?xml version="1.0" encoding="utf-8"?>
+<p:sld xmlns:a="http://schemas.openxmlformats.org/drawingml/2006/main" xmlns:r="http://schemas.openxmlformats.org/officeDocument/2006/relationships" xmlns:p="http://schemas.openxmlformats.org/presentationml/2006/main">
+  <p:cSld>
+    <p:spTree>
+      <p:nvGrpSpPr>
+        <p:cNvPr id="1" name=""/>
+        <p:cNvGrpSpPr/>
+        <p:nvPr/>
+      </p:nvGrpSpPr>
+      <p:grpSpPr>
+        <a:xfrm>
+          <a:off x="0" y="0"/>
+          <a:ext cx="0" cy="0"/>
+          <a:chOff x="0" y="0"/>
+          <a:chExt cx="0" cy="0"/>
+        </a:xfrm>
+      </p:grpSpPr>
+      <p:pic>
+        <p:nvPicPr>
+          <p:cNvPr id="3" name="그림 2">
+            <a:extLst>
+              <a:ext uri="{FF2B5EF4-FFF2-40B4-BE49-F238E27FC236}">
+                <a16:creationId xmlns:a16="http://schemas.microsoft.com/office/drawing/2014/main" id="{39A7C793-4315-B469-71A5-E00811BDA162}"/>
+              </a:ext>
+            </a:extLst>
+          </p:cNvPr>
+          <p:cNvPicPr>
+            <a:picLocks noChangeAspect="1"/>
+          </p:cNvPicPr>
+          <p:nvPr/>
+        </p:nvPicPr>
+        <p:blipFill>
+          <a:blip r:embed="rId2"/>
+          <a:stretch>
+            <a:fillRect/>
+          </a:stretch>
+        </p:blipFill>
+        <p:spPr>
+          <a:xfrm>
+            <a:off x="386065" y="381434"/>
+            <a:ext cx="9443735" cy="6135103"/>
+          </a:xfrm>
+          <a:prstGeom prst="rect">
+            <a:avLst/>
+          </a:prstGeom>
+        </p:spPr>
+      </p:pic>
+    </p:spTree>
+    <p:extLst>
+      <p:ext uri="{BB962C8B-B14F-4D97-AF65-F5344CB8AC3E}">
+        <p14:creationId xmlns:p14="http://schemas.microsoft.com/office/powerpoint/2010/main" val="2906888401"/>
+      </p:ext>
+    </p:extLst>
+  </p:cSld>
+  <p:clrMapOvr>
+    <a:masterClrMapping/>
+  </p:clrMapOvr>
+</p:sld>
+</file>
+
+<file path=ppt/slides/slide4.xml><?xml version="1.0" encoding="utf-8"?>
+<p:sld xmlns:a="http://schemas.openxmlformats.org/drawingml/2006/main" xmlns:r="http://schemas.openxmlformats.org/officeDocument/2006/relationships" xmlns:p="http://schemas.openxmlformats.org/presentationml/2006/main">
+  <p:cSld>
+    <p:spTree>
+      <p:nvGrpSpPr>
+        <p:cNvPr id="1" name=""/>
+        <p:cNvGrpSpPr/>
+        <p:nvPr/>
+      </p:nvGrpSpPr>
+      <p:grpSpPr>
+        <a:xfrm>
+          <a:off x="0" y="0"/>
+          <a:ext cx="0" cy="0"/>
+          <a:chOff x="0" y="0"/>
+          <a:chExt cx="0" cy="0"/>
+        </a:xfrm>
+      </p:grpSpPr>
+      <p:pic>
+        <p:nvPicPr>
+          <p:cNvPr id="3" name="그림 2">
+            <a:extLst>
+              <a:ext uri="{FF2B5EF4-FFF2-40B4-BE49-F238E27FC236}">
+                <a16:creationId xmlns:a16="http://schemas.microsoft.com/office/drawing/2014/main" id="{803BD104-9474-F81A-0706-F545E5CBA5B7}"/>
+              </a:ext>
+            </a:extLst>
+          </p:cNvPr>
+          <p:cNvPicPr>
+            <a:picLocks noChangeAspect="1"/>
+          </p:cNvPicPr>
+          <p:nvPr/>
+        </p:nvPicPr>
+        <p:blipFill>
+          <a:blip r:embed="rId2"/>
+          <a:stretch>
+            <a:fillRect/>
+          </a:stretch>
+        </p:blipFill>
+        <p:spPr>
+          <a:xfrm>
+            <a:off x="453992" y="378647"/>
+            <a:ext cx="7693965" cy="4929604"/>
+          </a:xfrm>
+          <a:prstGeom prst="rect">
+            <a:avLst/>
+          </a:prstGeom>
+        </p:spPr>
+      </p:pic>
+      <p:pic>
+        <p:nvPicPr>
+          <p:cNvPr id="5" name="그림 4">
+            <a:extLst>
+              <a:ext uri="{FF2B5EF4-FFF2-40B4-BE49-F238E27FC236}">
+                <a16:creationId xmlns:a16="http://schemas.microsoft.com/office/drawing/2014/main" id="{8E5A8E0A-A3C3-303C-2EAA-B814ADD36541}"/>
+              </a:ext>
+            </a:extLst>
+          </p:cNvPr>
+          <p:cNvPicPr>
+            <a:picLocks noChangeAspect="1"/>
+          </p:cNvPicPr>
+          <p:nvPr/>
+        </p:nvPicPr>
+        <p:blipFill>
+          <a:blip r:embed="rId3"/>
+          <a:stretch>
+            <a:fillRect/>
+          </a:stretch>
+        </p:blipFill>
+        <p:spPr>
+          <a:xfrm>
+            <a:off x="453992" y="5458821"/>
+            <a:ext cx="2942352" cy="1055188"/>
+          </a:xfrm>
+          <a:prstGeom prst="rect">
+            <a:avLst/>
+          </a:prstGeom>
+        </p:spPr>
+      </p:pic>
+    </p:spTree>
+    <p:extLst>
+      <p:ext uri="{BB962C8B-B14F-4D97-AF65-F5344CB8AC3E}">
+        <p14:creationId xmlns:p14="http://schemas.microsoft.com/office/powerpoint/2010/main" val="3806438290"/>
+      </p:ext>
+    </p:extLst>
+  </p:cSld>
+  <p:clrMapOvr>
+    <a:masterClrMapping/>
+  </p:clrMapOvr>
+</p:sld>
+</file>
+
+<file path=ppt/slides/slide5.xml><?xml version="1.0" encoding="utf-8"?>
 <p:sld xmlns:a="http://schemas.openxmlformats.org/drawingml/2006/main" xmlns:r="http://schemas.openxmlformats.org/officeDocument/2006/relationships" xmlns:p="http://schemas.openxmlformats.org/presentationml/2006/main">
   <p:cSld>
     <p:spTree>
@@ -7405,7 +8242,7 @@
 </p:sld>
 </file>
 
-<file path=ppt/slides/slide4.xml><?xml version="1.0" encoding="utf-8"?>
+<file path=ppt/slides/slide6.xml><?xml version="1.0" encoding="utf-8"?>
 <p:sld xmlns:a="http://schemas.openxmlformats.org/drawingml/2006/main" xmlns:r="http://schemas.openxmlformats.org/officeDocument/2006/relationships" xmlns:p="http://schemas.openxmlformats.org/presentationml/2006/main">
   <p:cSld>
     <p:spTree>
@@ -7495,7 +8332,7 @@
 </p:sld>
 </file>
 
-<file path=ppt/slides/slide5.xml><?xml version="1.0" encoding="utf-8"?>
+<file path=ppt/slides/slide7.xml><?xml version="1.0" encoding="utf-8"?>
 <p:sld xmlns:a="http://schemas.openxmlformats.org/drawingml/2006/main" xmlns:r="http://schemas.openxmlformats.org/officeDocument/2006/relationships" xmlns:p="http://schemas.openxmlformats.org/presentationml/2006/main">
   <p:cSld>
     <p:spTree>
@@ -7585,7 +8422,7 @@
 </p:sld>
 </file>
 
-<file path=ppt/slides/slide6.xml><?xml version="1.0" encoding="utf-8"?>
+<file path=ppt/slides/slide8.xml><?xml version="1.0" encoding="utf-8"?>
 <p:sld xmlns:a="http://schemas.openxmlformats.org/drawingml/2006/main" xmlns:r="http://schemas.openxmlformats.org/officeDocument/2006/relationships" xmlns:p="http://schemas.openxmlformats.org/presentationml/2006/main">
   <p:cSld>
     <p:spTree>
@@ -7645,7 +8482,7 @@
 </p:sld>
 </file>
 
-<file path=ppt/slides/slide7.xml><?xml version="1.0" encoding="utf-8"?>
+<file path=ppt/slides/slide9.xml><?xml version="1.0" encoding="utf-8"?>
 <p:sld xmlns:a="http://schemas.openxmlformats.org/drawingml/2006/main" xmlns:r="http://schemas.openxmlformats.org/officeDocument/2006/relationships" xmlns:p="http://schemas.openxmlformats.org/presentationml/2006/main">
   <p:cSld>
     <p:spTree>
@@ -7696,246 +8533,6 @@
     <p:extLst>
       <p:ext uri="{BB962C8B-B14F-4D97-AF65-F5344CB8AC3E}">
         <p14:creationId xmlns:p14="http://schemas.microsoft.com/office/powerpoint/2010/main" val="1755329690"/>
-      </p:ext>
-    </p:extLst>
-  </p:cSld>
-  <p:clrMapOvr>
-    <a:masterClrMapping/>
-  </p:clrMapOvr>
-</p:sld>
-</file>
-
-<file path=ppt/slides/slide8.xml><?xml version="1.0" encoding="utf-8"?>
-<p:sld xmlns:a="http://schemas.openxmlformats.org/drawingml/2006/main" xmlns:r="http://schemas.openxmlformats.org/officeDocument/2006/relationships" xmlns:p="http://schemas.openxmlformats.org/presentationml/2006/main">
-  <p:cSld>
-    <p:spTree>
-      <p:nvGrpSpPr>
-        <p:cNvPr id="1" name=""/>
-        <p:cNvGrpSpPr/>
-        <p:nvPr/>
-      </p:nvGrpSpPr>
-      <p:grpSpPr>
-        <a:xfrm>
-          <a:off x="0" y="0"/>
-          <a:ext cx="0" cy="0"/>
-          <a:chOff x="0" y="0"/>
-          <a:chExt cx="0" cy="0"/>
-        </a:xfrm>
-      </p:grpSpPr>
-      <p:pic>
-        <p:nvPicPr>
-          <p:cNvPr id="3" name="그림 2">
-            <a:extLst>
-              <a:ext uri="{FF2B5EF4-FFF2-40B4-BE49-F238E27FC236}">
-                <a16:creationId xmlns:a16="http://schemas.microsoft.com/office/drawing/2014/main" id="{0B7E3BEA-8A9A-3E75-761E-70B82886E40A}"/>
-              </a:ext>
-            </a:extLst>
-          </p:cNvPr>
-          <p:cNvPicPr>
-            <a:picLocks noChangeAspect="1"/>
-          </p:cNvPicPr>
-          <p:nvPr/>
-        </p:nvPicPr>
-        <p:blipFill>
-          <a:blip r:embed="rId2"/>
-          <a:stretch>
-            <a:fillRect/>
-          </a:stretch>
-        </p:blipFill>
-        <p:spPr>
-          <a:xfrm>
-            <a:off x="458787" y="431200"/>
-            <a:ext cx="11265127" cy="3595605"/>
-          </a:xfrm>
-          <a:prstGeom prst="rect">
-            <a:avLst/>
-          </a:prstGeom>
-        </p:spPr>
-      </p:pic>
-    </p:spTree>
-    <p:extLst>
-      <p:ext uri="{BB962C8B-B14F-4D97-AF65-F5344CB8AC3E}">
-        <p14:creationId xmlns:p14="http://schemas.microsoft.com/office/powerpoint/2010/main" val="565728471"/>
-      </p:ext>
-    </p:extLst>
-  </p:cSld>
-  <p:clrMapOvr>
-    <a:masterClrMapping/>
-  </p:clrMapOvr>
-</p:sld>
-</file>
-
-<file path=ppt/slides/slide9.xml><?xml version="1.0" encoding="utf-8"?>
-<p:sld xmlns:a="http://schemas.openxmlformats.org/drawingml/2006/main" xmlns:r="http://schemas.openxmlformats.org/officeDocument/2006/relationships" xmlns:p="http://schemas.openxmlformats.org/presentationml/2006/main">
-  <p:cSld>
-    <p:spTree>
-      <p:nvGrpSpPr>
-        <p:cNvPr id="1" name=""/>
-        <p:cNvGrpSpPr/>
-        <p:nvPr/>
-      </p:nvGrpSpPr>
-      <p:grpSpPr>
-        <a:xfrm>
-          <a:off x="0" y="0"/>
-          <a:ext cx="0" cy="0"/>
-          <a:chOff x="0" y="0"/>
-          <a:chExt cx="0" cy="0"/>
-        </a:xfrm>
-      </p:grpSpPr>
-      <p:pic>
-        <p:nvPicPr>
-          <p:cNvPr id="11" name="그림 10">
-            <a:extLst>
-              <a:ext uri="{FF2B5EF4-FFF2-40B4-BE49-F238E27FC236}">
-                <a16:creationId xmlns:a16="http://schemas.microsoft.com/office/drawing/2014/main" id="{2201AC1C-9121-1D43-8B13-9EA1DD8A9E9B}"/>
-              </a:ext>
-            </a:extLst>
-          </p:cNvPr>
-          <p:cNvPicPr>
-            <a:picLocks noChangeAspect="1"/>
-          </p:cNvPicPr>
-          <p:nvPr/>
-        </p:nvPicPr>
-        <p:blipFill>
-          <a:blip r:embed="rId2"/>
-          <a:stretch>
-            <a:fillRect/>
-          </a:stretch>
-        </p:blipFill>
-        <p:spPr>
-          <a:xfrm>
-            <a:off x="9416365" y="347436"/>
-            <a:ext cx="2404564" cy="6110513"/>
-          </a:xfrm>
-          <a:prstGeom prst="rect">
-            <a:avLst/>
-          </a:prstGeom>
-        </p:spPr>
-      </p:pic>
-      <p:pic>
-        <p:nvPicPr>
-          <p:cNvPr id="3" name="그림 2">
-            <a:extLst>
-              <a:ext uri="{FF2B5EF4-FFF2-40B4-BE49-F238E27FC236}">
-                <a16:creationId xmlns:a16="http://schemas.microsoft.com/office/drawing/2014/main" id="{779DDC02-2CD6-CB11-96E1-4DE3F90696F8}"/>
-              </a:ext>
-            </a:extLst>
-          </p:cNvPr>
-          <p:cNvPicPr>
-            <a:picLocks noChangeAspect="1"/>
-          </p:cNvPicPr>
-          <p:nvPr/>
-        </p:nvPicPr>
-        <p:blipFill>
-          <a:blip r:embed="rId3"/>
-          <a:stretch>
-            <a:fillRect/>
-          </a:stretch>
-        </p:blipFill>
-        <p:spPr>
-          <a:xfrm>
-            <a:off x="371071" y="400050"/>
-            <a:ext cx="2199386" cy="6057900"/>
-          </a:xfrm>
-          <a:prstGeom prst="rect">
-            <a:avLst/>
-          </a:prstGeom>
-        </p:spPr>
-      </p:pic>
-      <p:pic>
-        <p:nvPicPr>
-          <p:cNvPr id="5" name="그림 4">
-            <a:extLst>
-              <a:ext uri="{FF2B5EF4-FFF2-40B4-BE49-F238E27FC236}">
-                <a16:creationId xmlns:a16="http://schemas.microsoft.com/office/drawing/2014/main" id="{32250A61-B713-C5C1-3397-B1866B4D9EC0}"/>
-              </a:ext>
-            </a:extLst>
-          </p:cNvPr>
-          <p:cNvPicPr>
-            <a:picLocks noChangeAspect="1"/>
-          </p:cNvPicPr>
-          <p:nvPr/>
-        </p:nvPicPr>
-        <p:blipFill>
-          <a:blip r:embed="rId4"/>
-          <a:stretch>
-            <a:fillRect/>
-          </a:stretch>
-        </p:blipFill>
-        <p:spPr>
-          <a:xfrm>
-            <a:off x="2570457" y="400050"/>
-            <a:ext cx="1959664" cy="6110513"/>
-          </a:xfrm>
-          <a:prstGeom prst="rect">
-            <a:avLst/>
-          </a:prstGeom>
-        </p:spPr>
-      </p:pic>
-      <p:pic>
-        <p:nvPicPr>
-          <p:cNvPr id="7" name="그림 6">
-            <a:extLst>
-              <a:ext uri="{FF2B5EF4-FFF2-40B4-BE49-F238E27FC236}">
-                <a16:creationId xmlns:a16="http://schemas.microsoft.com/office/drawing/2014/main" id="{0072EE6B-320E-447B-19DA-5464EF319B23}"/>
-              </a:ext>
-            </a:extLst>
-          </p:cNvPr>
-          <p:cNvPicPr>
-            <a:picLocks noChangeAspect="1"/>
-          </p:cNvPicPr>
-          <p:nvPr/>
-        </p:nvPicPr>
-        <p:blipFill>
-          <a:blip r:embed="rId5"/>
-          <a:stretch>
-            <a:fillRect/>
-          </a:stretch>
-        </p:blipFill>
-        <p:spPr>
-          <a:xfrm>
-            <a:off x="4530121" y="347437"/>
-            <a:ext cx="1772708" cy="6159128"/>
-          </a:xfrm>
-          <a:prstGeom prst="rect">
-            <a:avLst/>
-          </a:prstGeom>
-        </p:spPr>
-      </p:pic>
-      <p:pic>
-        <p:nvPicPr>
-          <p:cNvPr id="9" name="그림 8">
-            <a:extLst>
-              <a:ext uri="{FF2B5EF4-FFF2-40B4-BE49-F238E27FC236}">
-                <a16:creationId xmlns:a16="http://schemas.microsoft.com/office/drawing/2014/main" id="{FB61D77B-04E5-CF86-B739-F0C27EC233FD}"/>
-              </a:ext>
-            </a:extLst>
-          </p:cNvPr>
-          <p:cNvPicPr>
-            <a:picLocks noChangeAspect="1"/>
-          </p:cNvPicPr>
-          <p:nvPr/>
-        </p:nvPicPr>
-        <p:blipFill>
-          <a:blip r:embed="rId6"/>
-          <a:stretch>
-            <a:fillRect/>
-          </a:stretch>
-        </p:blipFill>
-        <p:spPr>
-          <a:xfrm>
-            <a:off x="6729508" y="347437"/>
-            <a:ext cx="2686857" cy="6114782"/>
-          </a:xfrm>
-          <a:prstGeom prst="rect">
-            <a:avLst/>
-          </a:prstGeom>
-        </p:spPr>
-      </p:pic>
-    </p:spTree>
-    <p:extLst>
-      <p:ext uri="{BB962C8B-B14F-4D97-AF65-F5344CB8AC3E}">
-        <p14:creationId xmlns:p14="http://schemas.microsoft.com/office/powerpoint/2010/main" val="2536244830"/>
       </p:ext>
     </p:extLst>
   </p:cSld>

--- a/Python과제/Python_11강.pptx
+++ b/Python과제/Python_11강.pptx
@@ -4421,6 +4421,51 @@
           </a:prstGeom>
         </p:spPr>
       </p:pic>
+      <p:sp>
+        <p:nvSpPr>
+          <p:cNvPr id="2" name="TextBox 1">
+            <a:extLst>
+              <a:ext uri="{FF2B5EF4-FFF2-40B4-BE49-F238E27FC236}">
+                <a16:creationId xmlns:a16="http://schemas.microsoft.com/office/drawing/2014/main" id="{5CBCF13D-D5CC-748F-A7D9-2B313E61D7EA}"/>
+              </a:ext>
+            </a:extLst>
+          </p:cNvPr>
+          <p:cNvSpPr txBox="1"/>
+          <p:nvPr/>
+        </p:nvSpPr>
+        <p:spPr>
+          <a:xfrm>
+            <a:off x="6611015" y="395781"/>
+            <a:ext cx="2065283" cy="369332"/>
+          </a:xfrm>
+          <a:prstGeom prst="rect">
+            <a:avLst/>
+          </a:prstGeom>
+          <a:noFill/>
+        </p:spPr>
+        <p:txBody>
+          <a:bodyPr wrap="square" rtlCol="0">
+            <a:spAutoFit/>
+          </a:bodyPr>
+          <a:lstStyle/>
+          <a:p>
+            <a:pPr algn="ctr"/>
+            <a:r>
+              <a:rPr lang="en-US" altLang="ko-KR" b="1" dirty="0"/>
+              <a:t>&lt; print </a:t>
+            </a:r>
+            <a:r>
+              <a:rPr lang="ko-KR" altLang="en-US" b="1" dirty="0"/>
+              <a:t>결과 확인 </a:t>
+            </a:r>
+            <a:r>
+              <a:rPr lang="en-US" altLang="ko-KR" b="1" dirty="0"/>
+              <a:t>&gt;</a:t>
+            </a:r>
+            <a:endParaRPr lang="ko-KR" altLang="en-US" b="1" dirty="0"/>
+          </a:p>
+        </p:txBody>
+      </p:sp>
     </p:spTree>
     <p:extLst>
       <p:ext uri="{BB962C8B-B14F-4D97-AF65-F5344CB8AC3E}">
@@ -6119,7 +6164,7 @@
         </p:blipFill>
         <p:spPr>
           <a:xfrm>
-            <a:off x="7484864" y="3203442"/>
+            <a:off x="7484864" y="3881359"/>
             <a:ext cx="4246472" cy="1582021"/>
           </a:xfrm>
           <a:prstGeom prst="rect">
@@ -6127,6 +6172,51 @@
           </a:prstGeom>
         </p:spPr>
       </p:pic>
+      <p:sp>
+        <p:nvSpPr>
+          <p:cNvPr id="2" name="TextBox 1">
+            <a:extLst>
+              <a:ext uri="{FF2B5EF4-FFF2-40B4-BE49-F238E27FC236}">
+                <a16:creationId xmlns:a16="http://schemas.microsoft.com/office/drawing/2014/main" id="{015168F2-8C86-ED5F-BEE6-D77163307FF0}"/>
+              </a:ext>
+            </a:extLst>
+          </p:cNvPr>
+          <p:cNvSpPr txBox="1"/>
+          <p:nvPr/>
+        </p:nvSpPr>
+        <p:spPr>
+          <a:xfrm>
+            <a:off x="7484864" y="3421735"/>
+            <a:ext cx="2065283" cy="369332"/>
+          </a:xfrm>
+          <a:prstGeom prst="rect">
+            <a:avLst/>
+          </a:prstGeom>
+          <a:noFill/>
+        </p:spPr>
+        <p:txBody>
+          <a:bodyPr wrap="square" rtlCol="0">
+            <a:spAutoFit/>
+          </a:bodyPr>
+          <a:lstStyle/>
+          <a:p>
+            <a:pPr algn="ctr"/>
+            <a:r>
+              <a:rPr lang="en-US" altLang="ko-KR" b="1" dirty="0"/>
+              <a:t>&lt; print </a:t>
+            </a:r>
+            <a:r>
+              <a:rPr lang="ko-KR" altLang="en-US" b="1" dirty="0"/>
+              <a:t>결과 확인 </a:t>
+            </a:r>
+            <a:r>
+              <a:rPr lang="en-US" altLang="ko-KR" b="1" dirty="0"/>
+              <a:t>&gt;</a:t>
+            </a:r>
+            <a:endParaRPr lang="ko-KR" altLang="en-US" b="1" dirty="0"/>
+          </a:p>
+        </p:txBody>
+      </p:sp>
     </p:spTree>
     <p:extLst>
       <p:ext uri="{BB962C8B-B14F-4D97-AF65-F5344CB8AC3E}">
@@ -6209,14 +6299,59 @@
         </p:blipFill>
         <p:spPr>
           <a:xfrm>
-            <a:off x="476454" y="5542270"/>
-            <a:ext cx="1760560" cy="880280"/>
+            <a:off x="476454" y="5789731"/>
+            <a:ext cx="1612477" cy="806239"/>
           </a:xfrm>
           <a:prstGeom prst="rect">
             <a:avLst/>
           </a:prstGeom>
         </p:spPr>
       </p:pic>
+      <p:sp>
+        <p:nvSpPr>
+          <p:cNvPr id="2" name="TextBox 1">
+            <a:extLst>
+              <a:ext uri="{FF2B5EF4-FFF2-40B4-BE49-F238E27FC236}">
+                <a16:creationId xmlns:a16="http://schemas.microsoft.com/office/drawing/2014/main" id="{9774B872-E349-1C3D-661C-52827A05D912}"/>
+              </a:ext>
+            </a:extLst>
+          </p:cNvPr>
+          <p:cNvSpPr txBox="1"/>
+          <p:nvPr/>
+        </p:nvSpPr>
+        <p:spPr>
+          <a:xfrm>
+            <a:off x="411959" y="5605065"/>
+            <a:ext cx="2065283" cy="369332"/>
+          </a:xfrm>
+          <a:prstGeom prst="rect">
+            <a:avLst/>
+          </a:prstGeom>
+          <a:noFill/>
+        </p:spPr>
+        <p:txBody>
+          <a:bodyPr wrap="square" rtlCol="0">
+            <a:spAutoFit/>
+          </a:bodyPr>
+          <a:lstStyle/>
+          <a:p>
+            <a:pPr algn="ctr"/>
+            <a:r>
+              <a:rPr lang="en-US" altLang="ko-KR" b="1" dirty="0"/>
+              <a:t>&lt; print </a:t>
+            </a:r>
+            <a:r>
+              <a:rPr lang="ko-KR" altLang="en-US" b="1" dirty="0"/>
+              <a:t>결과 확인 </a:t>
+            </a:r>
+            <a:r>
+              <a:rPr lang="en-US" altLang="ko-KR" b="1" dirty="0"/>
+              <a:t>&gt;</a:t>
+            </a:r>
+            <a:endParaRPr lang="ko-KR" altLang="en-US" b="1" dirty="0"/>
+          </a:p>
+        </p:txBody>
+      </p:sp>
     </p:spTree>
     <p:extLst>
       <p:ext uri="{BB962C8B-B14F-4D97-AF65-F5344CB8AC3E}">
@@ -6553,6 +6688,51 @@
           </a:prstGeom>
         </p:spPr>
       </p:pic>
+      <p:sp>
+        <p:nvSpPr>
+          <p:cNvPr id="2" name="TextBox 1">
+            <a:extLst>
+              <a:ext uri="{FF2B5EF4-FFF2-40B4-BE49-F238E27FC236}">
+                <a16:creationId xmlns:a16="http://schemas.microsoft.com/office/drawing/2014/main" id="{61E5A239-243D-60B0-D5EE-42DE2D204A71}"/>
+              </a:ext>
+            </a:extLst>
+          </p:cNvPr>
+          <p:cNvSpPr txBox="1"/>
+          <p:nvPr/>
+        </p:nvSpPr>
+        <p:spPr>
+          <a:xfrm>
+            <a:off x="4718957" y="5312664"/>
+            <a:ext cx="2065283" cy="369332"/>
+          </a:xfrm>
+          <a:prstGeom prst="rect">
+            <a:avLst/>
+          </a:prstGeom>
+          <a:noFill/>
+        </p:spPr>
+        <p:txBody>
+          <a:bodyPr wrap="square" rtlCol="0">
+            <a:spAutoFit/>
+          </a:bodyPr>
+          <a:lstStyle/>
+          <a:p>
+            <a:pPr algn="ctr"/>
+            <a:r>
+              <a:rPr lang="en-US" altLang="ko-KR" b="1" dirty="0"/>
+              <a:t>&lt; print </a:t>
+            </a:r>
+            <a:r>
+              <a:rPr lang="ko-KR" altLang="en-US" b="1" dirty="0"/>
+              <a:t>결과 확인 </a:t>
+            </a:r>
+            <a:r>
+              <a:rPr lang="en-US" altLang="ko-KR" b="1" dirty="0"/>
+              <a:t>&gt;</a:t>
+            </a:r>
+            <a:endParaRPr lang="ko-KR" altLang="en-US" b="1" dirty="0"/>
+          </a:p>
+        </p:txBody>
+      </p:sp>
     </p:spTree>
     <p:extLst>
       <p:ext uri="{BB962C8B-B14F-4D97-AF65-F5344CB8AC3E}">
@@ -6635,7 +6815,7 @@
         </p:blipFill>
         <p:spPr>
           <a:xfrm>
-            <a:off x="451203" y="6019998"/>
+            <a:off x="451203" y="6106709"/>
             <a:ext cx="11256383" cy="404906"/>
           </a:xfrm>
           <a:prstGeom prst="rect">
@@ -6643,6 +6823,51 @@
           </a:prstGeom>
         </p:spPr>
       </p:pic>
+      <p:sp>
+        <p:nvSpPr>
+          <p:cNvPr id="2" name="TextBox 1">
+            <a:extLst>
+              <a:ext uri="{FF2B5EF4-FFF2-40B4-BE49-F238E27FC236}">
+                <a16:creationId xmlns:a16="http://schemas.microsoft.com/office/drawing/2014/main" id="{C6094B69-381E-E6C5-2126-B702A2510C2C}"/>
+              </a:ext>
+            </a:extLst>
+          </p:cNvPr>
+          <p:cNvSpPr txBox="1"/>
+          <p:nvPr/>
+        </p:nvSpPr>
+        <p:spPr>
+          <a:xfrm>
+            <a:off x="451203" y="5737377"/>
+            <a:ext cx="2065283" cy="369332"/>
+          </a:xfrm>
+          <a:prstGeom prst="rect">
+            <a:avLst/>
+          </a:prstGeom>
+          <a:noFill/>
+        </p:spPr>
+        <p:txBody>
+          <a:bodyPr wrap="square" rtlCol="0">
+            <a:spAutoFit/>
+          </a:bodyPr>
+          <a:lstStyle/>
+          <a:p>
+            <a:pPr algn="ctr"/>
+            <a:r>
+              <a:rPr lang="en-US" altLang="ko-KR" b="1" dirty="0"/>
+              <a:t>&lt; print </a:t>
+            </a:r>
+            <a:r>
+              <a:rPr lang="ko-KR" altLang="en-US" b="1" dirty="0"/>
+              <a:t>결과 확인 </a:t>
+            </a:r>
+            <a:r>
+              <a:rPr lang="en-US" altLang="ko-KR" b="1" dirty="0"/>
+              <a:t>&gt;</a:t>
+            </a:r>
+            <a:endParaRPr lang="ko-KR" altLang="en-US" b="1" dirty="0"/>
+          </a:p>
+        </p:txBody>
+      </p:sp>
     </p:spTree>
     <p:extLst>
       <p:ext uri="{BB962C8B-B14F-4D97-AF65-F5344CB8AC3E}">
@@ -6733,6 +6958,51 @@
           </a:prstGeom>
         </p:spPr>
       </p:pic>
+      <p:sp>
+        <p:nvSpPr>
+          <p:cNvPr id="2" name="TextBox 1">
+            <a:extLst>
+              <a:ext uri="{FF2B5EF4-FFF2-40B4-BE49-F238E27FC236}">
+                <a16:creationId xmlns:a16="http://schemas.microsoft.com/office/drawing/2014/main" id="{2D7D6FF1-F817-7613-E2E7-5DDEE5B378E8}"/>
+              </a:ext>
+            </a:extLst>
+          </p:cNvPr>
+          <p:cNvSpPr txBox="1"/>
+          <p:nvPr/>
+        </p:nvSpPr>
+        <p:spPr>
+          <a:xfrm>
+            <a:off x="432215" y="3879478"/>
+            <a:ext cx="2065283" cy="369332"/>
+          </a:xfrm>
+          <a:prstGeom prst="rect">
+            <a:avLst/>
+          </a:prstGeom>
+          <a:noFill/>
+        </p:spPr>
+        <p:txBody>
+          <a:bodyPr wrap="square" rtlCol="0">
+            <a:spAutoFit/>
+          </a:bodyPr>
+          <a:lstStyle/>
+          <a:p>
+            <a:pPr algn="ctr"/>
+            <a:r>
+              <a:rPr lang="en-US" altLang="ko-KR" b="1" dirty="0"/>
+              <a:t>&lt; print </a:t>
+            </a:r>
+            <a:r>
+              <a:rPr lang="ko-KR" altLang="en-US" b="1" dirty="0"/>
+              <a:t>결과 확인 </a:t>
+            </a:r>
+            <a:r>
+              <a:rPr lang="en-US" altLang="ko-KR" b="1" dirty="0"/>
+              <a:t>&gt;</a:t>
+            </a:r>
+            <a:endParaRPr lang="ko-KR" altLang="en-US" b="1" dirty="0"/>
+          </a:p>
+        </p:txBody>
+      </p:sp>
     </p:spTree>
     <p:extLst>
       <p:ext uri="{BB962C8B-B14F-4D97-AF65-F5344CB8AC3E}">
@@ -6823,6 +7093,51 @@
           </a:prstGeom>
         </p:spPr>
       </p:pic>
+      <p:sp>
+        <p:nvSpPr>
+          <p:cNvPr id="2" name="TextBox 1">
+            <a:extLst>
+              <a:ext uri="{FF2B5EF4-FFF2-40B4-BE49-F238E27FC236}">
+                <a16:creationId xmlns:a16="http://schemas.microsoft.com/office/drawing/2014/main" id="{86DCCEA5-C1C7-BA0F-6079-5ABF74EA1EBB}"/>
+              </a:ext>
+            </a:extLst>
+          </p:cNvPr>
+          <p:cNvSpPr txBox="1"/>
+          <p:nvPr/>
+        </p:nvSpPr>
+        <p:spPr>
+          <a:xfrm>
+            <a:off x="392199" y="5306258"/>
+            <a:ext cx="2065283" cy="369332"/>
+          </a:xfrm>
+          <a:prstGeom prst="rect">
+            <a:avLst/>
+          </a:prstGeom>
+          <a:noFill/>
+        </p:spPr>
+        <p:txBody>
+          <a:bodyPr wrap="square" rtlCol="0">
+            <a:spAutoFit/>
+          </a:bodyPr>
+          <a:lstStyle/>
+          <a:p>
+            <a:pPr algn="ctr"/>
+            <a:r>
+              <a:rPr lang="en-US" altLang="ko-KR" b="1" dirty="0"/>
+              <a:t>&lt; print </a:t>
+            </a:r>
+            <a:r>
+              <a:rPr lang="ko-KR" altLang="en-US" b="1" dirty="0"/>
+              <a:t>결과 확인 </a:t>
+            </a:r>
+            <a:r>
+              <a:rPr lang="en-US" altLang="ko-KR" b="1" dirty="0"/>
+              <a:t>&gt;</a:t>
+            </a:r>
+            <a:endParaRPr lang="ko-KR" altLang="en-US" b="1" dirty="0"/>
+          </a:p>
+        </p:txBody>
+      </p:sp>
     </p:spTree>
     <p:extLst>
       <p:ext uri="{BB962C8B-B14F-4D97-AF65-F5344CB8AC3E}">
@@ -6905,7 +7220,7 @@
         </p:blipFill>
         <p:spPr>
           <a:xfrm>
-            <a:off x="462308" y="3209682"/>
+            <a:off x="462308" y="3292146"/>
             <a:ext cx="3538192" cy="3256545"/>
           </a:xfrm>
           <a:prstGeom prst="rect">
@@ -6913,6 +7228,51 @@
           </a:prstGeom>
         </p:spPr>
       </p:pic>
+      <p:sp>
+        <p:nvSpPr>
+          <p:cNvPr id="2" name="TextBox 1">
+            <a:extLst>
+              <a:ext uri="{FF2B5EF4-FFF2-40B4-BE49-F238E27FC236}">
+                <a16:creationId xmlns:a16="http://schemas.microsoft.com/office/drawing/2014/main" id="{89BA1120-89EB-F811-EDE4-164EB2B41CF3}"/>
+              </a:ext>
+            </a:extLst>
+          </p:cNvPr>
+          <p:cNvSpPr txBox="1"/>
+          <p:nvPr/>
+        </p:nvSpPr>
+        <p:spPr>
+          <a:xfrm>
+            <a:off x="462308" y="2922814"/>
+            <a:ext cx="2065283" cy="369332"/>
+          </a:xfrm>
+          <a:prstGeom prst="rect">
+            <a:avLst/>
+          </a:prstGeom>
+          <a:noFill/>
+        </p:spPr>
+        <p:txBody>
+          <a:bodyPr wrap="square" rtlCol="0">
+            <a:spAutoFit/>
+          </a:bodyPr>
+          <a:lstStyle/>
+          <a:p>
+            <a:pPr algn="ctr"/>
+            <a:r>
+              <a:rPr lang="en-US" altLang="ko-KR" b="1" dirty="0"/>
+              <a:t>&lt; print </a:t>
+            </a:r>
+            <a:r>
+              <a:rPr lang="ko-KR" altLang="en-US" b="1" dirty="0"/>
+              <a:t>결과 확인 </a:t>
+            </a:r>
+            <a:r>
+              <a:rPr lang="en-US" altLang="ko-KR" b="1" dirty="0"/>
+              <a:t>&gt;</a:t>
+            </a:r>
+            <a:endParaRPr lang="ko-KR" altLang="en-US" b="1" dirty="0"/>
+          </a:p>
+        </p:txBody>
+      </p:sp>
     </p:spTree>
     <p:extLst>
       <p:ext uri="{BB962C8B-B14F-4D97-AF65-F5344CB8AC3E}">
@@ -7266,7 +7626,7 @@
         </p:blipFill>
         <p:spPr>
           <a:xfrm>
-            <a:off x="393701" y="5452668"/>
+            <a:off x="393701" y="5531495"/>
             <a:ext cx="11404597" cy="963283"/>
           </a:xfrm>
           <a:prstGeom prst="rect">
@@ -7274,6 +7634,51 @@
           </a:prstGeom>
         </p:spPr>
       </p:pic>
+      <p:sp>
+        <p:nvSpPr>
+          <p:cNvPr id="2" name="TextBox 1">
+            <a:extLst>
+              <a:ext uri="{FF2B5EF4-FFF2-40B4-BE49-F238E27FC236}">
+                <a16:creationId xmlns:a16="http://schemas.microsoft.com/office/drawing/2014/main" id="{2079DCB9-66AD-2E6A-A47E-88DF5ADA66C6}"/>
+              </a:ext>
+            </a:extLst>
+          </p:cNvPr>
+          <p:cNvSpPr txBox="1"/>
+          <p:nvPr/>
+        </p:nvSpPr>
+        <p:spPr>
+          <a:xfrm>
+            <a:off x="393701" y="5101808"/>
+            <a:ext cx="2065283" cy="369332"/>
+          </a:xfrm>
+          <a:prstGeom prst="rect">
+            <a:avLst/>
+          </a:prstGeom>
+          <a:noFill/>
+        </p:spPr>
+        <p:txBody>
+          <a:bodyPr wrap="square" rtlCol="0">
+            <a:spAutoFit/>
+          </a:bodyPr>
+          <a:lstStyle/>
+          <a:p>
+            <a:pPr algn="ctr"/>
+            <a:r>
+              <a:rPr lang="en-US" altLang="ko-KR" b="1" dirty="0"/>
+              <a:t>&lt; print </a:t>
+            </a:r>
+            <a:r>
+              <a:rPr lang="ko-KR" altLang="en-US" b="1" dirty="0"/>
+              <a:t>결과 확인 </a:t>
+            </a:r>
+            <a:r>
+              <a:rPr lang="en-US" altLang="ko-KR" b="1" dirty="0"/>
+              <a:t>&gt;</a:t>
+            </a:r>
+            <a:endParaRPr lang="ko-KR" altLang="en-US" b="1" dirty="0"/>
+          </a:p>
+        </p:txBody>
+      </p:sp>
     </p:spTree>
     <p:extLst>
       <p:ext uri="{BB962C8B-B14F-4D97-AF65-F5344CB8AC3E}">
@@ -7619,6 +8024,51 @@
           </a:prstGeom>
         </p:spPr>
       </p:pic>
+      <p:sp>
+        <p:nvSpPr>
+          <p:cNvPr id="2" name="TextBox 1">
+            <a:extLst>
+              <a:ext uri="{FF2B5EF4-FFF2-40B4-BE49-F238E27FC236}">
+                <a16:creationId xmlns:a16="http://schemas.microsoft.com/office/drawing/2014/main" id="{BAB30AB3-77D1-0B9E-619A-DFD2AD889FF3}"/>
+              </a:ext>
+            </a:extLst>
+          </p:cNvPr>
+          <p:cNvSpPr txBox="1"/>
+          <p:nvPr/>
+        </p:nvSpPr>
+        <p:spPr>
+          <a:xfrm>
+            <a:off x="6096000" y="3606623"/>
+            <a:ext cx="2065283" cy="369332"/>
+          </a:xfrm>
+          <a:prstGeom prst="rect">
+            <a:avLst/>
+          </a:prstGeom>
+          <a:noFill/>
+        </p:spPr>
+        <p:txBody>
+          <a:bodyPr wrap="square" rtlCol="0">
+            <a:spAutoFit/>
+          </a:bodyPr>
+          <a:lstStyle/>
+          <a:p>
+            <a:pPr algn="ctr"/>
+            <a:r>
+              <a:rPr lang="en-US" altLang="ko-KR" b="1" dirty="0"/>
+              <a:t>&lt; print </a:t>
+            </a:r>
+            <a:r>
+              <a:rPr lang="ko-KR" altLang="en-US" b="1" dirty="0"/>
+              <a:t>결과 확인 </a:t>
+            </a:r>
+            <a:r>
+              <a:rPr lang="en-US" altLang="ko-KR" b="1" dirty="0"/>
+              <a:t>&gt;</a:t>
+            </a:r>
+            <a:endParaRPr lang="ko-KR" altLang="en-US" b="1" dirty="0"/>
+          </a:p>
+        </p:txBody>
+      </p:sp>
     </p:spTree>
     <p:extLst>
       <p:ext uri="{BB962C8B-B14F-4D97-AF65-F5344CB8AC3E}">
@@ -7834,6 +8284,51 @@
           </a:prstGeom>
         </p:spPr>
       </p:pic>
+      <p:sp>
+        <p:nvSpPr>
+          <p:cNvPr id="2" name="TextBox 1">
+            <a:extLst>
+              <a:ext uri="{FF2B5EF4-FFF2-40B4-BE49-F238E27FC236}">
+                <a16:creationId xmlns:a16="http://schemas.microsoft.com/office/drawing/2014/main" id="{339734B1-BB64-0B0A-3943-F5B44529F3CF}"/>
+              </a:ext>
+            </a:extLst>
+          </p:cNvPr>
+          <p:cNvSpPr txBox="1"/>
+          <p:nvPr/>
+        </p:nvSpPr>
+        <p:spPr>
+          <a:xfrm>
+            <a:off x="9650552" y="449197"/>
+            <a:ext cx="2065283" cy="369332"/>
+          </a:xfrm>
+          <a:prstGeom prst="rect">
+            <a:avLst/>
+          </a:prstGeom>
+          <a:noFill/>
+        </p:spPr>
+        <p:txBody>
+          <a:bodyPr wrap="square" rtlCol="0">
+            <a:spAutoFit/>
+          </a:bodyPr>
+          <a:lstStyle/>
+          <a:p>
+            <a:pPr algn="ctr"/>
+            <a:r>
+              <a:rPr lang="en-US" altLang="ko-KR" b="1" dirty="0"/>
+              <a:t>&lt; print </a:t>
+            </a:r>
+            <a:r>
+              <a:rPr lang="ko-KR" altLang="en-US" b="1" dirty="0"/>
+              <a:t>결과 확인 </a:t>
+            </a:r>
+            <a:r>
+              <a:rPr lang="en-US" altLang="ko-KR" b="1" dirty="0"/>
+              <a:t>&gt;</a:t>
+            </a:r>
+            <a:endParaRPr lang="ko-KR" altLang="en-US" b="1" dirty="0"/>
+          </a:p>
+        </p:txBody>
+      </p:sp>
     </p:spTree>
     <p:extLst>
       <p:ext uri="{BB962C8B-B14F-4D97-AF65-F5344CB8AC3E}">
@@ -7894,6 +8389,51 @@
           </a:prstGeom>
         </p:spPr>
       </p:pic>
+      <p:sp>
+        <p:nvSpPr>
+          <p:cNvPr id="2" name="TextBox 1">
+            <a:extLst>
+              <a:ext uri="{FF2B5EF4-FFF2-40B4-BE49-F238E27FC236}">
+                <a16:creationId xmlns:a16="http://schemas.microsoft.com/office/drawing/2014/main" id="{654D7070-9EDC-730C-6028-6FDAD240DB6C}"/>
+              </a:ext>
+            </a:extLst>
+          </p:cNvPr>
+          <p:cNvSpPr txBox="1"/>
+          <p:nvPr/>
+        </p:nvSpPr>
+        <p:spPr>
+          <a:xfrm>
+            <a:off x="9718503" y="428702"/>
+            <a:ext cx="2065283" cy="369332"/>
+          </a:xfrm>
+          <a:prstGeom prst="rect">
+            <a:avLst/>
+          </a:prstGeom>
+          <a:noFill/>
+        </p:spPr>
+        <p:txBody>
+          <a:bodyPr wrap="square" rtlCol="0">
+            <a:spAutoFit/>
+          </a:bodyPr>
+          <a:lstStyle/>
+          <a:p>
+            <a:pPr algn="ctr"/>
+            <a:r>
+              <a:rPr lang="en-US" altLang="ko-KR" b="1" dirty="0"/>
+              <a:t>&lt; print </a:t>
+            </a:r>
+            <a:r>
+              <a:rPr lang="ko-KR" altLang="en-US" b="1" dirty="0"/>
+              <a:t>결과 확인 </a:t>
+            </a:r>
+            <a:r>
+              <a:rPr lang="en-US" altLang="ko-KR" b="1" dirty="0"/>
+              <a:t>&gt;</a:t>
+            </a:r>
+            <a:endParaRPr lang="ko-KR" altLang="en-US" b="1" dirty="0"/>
+          </a:p>
+        </p:txBody>
+      </p:sp>
     </p:spTree>
     <p:extLst>
       <p:ext uri="{BB962C8B-B14F-4D97-AF65-F5344CB8AC3E}">
@@ -7960,16 +8500,16 @@
                 </a:solidFill>
                 <a:latin typeface="+mn-ea"/>
               </a:rPr>
-              <a:t>&lt; </a:t>
-            </a:r>
-            <a:r>
-              <a:rPr lang="ko-KR" altLang="en-US" sz="4800" b="1" dirty="0">
+              <a:t>&lt; 11</a:t>
+            </a:r>
+            <a:r>
+              <a:rPr lang="ko-KR" altLang="en-US" sz="4800" b="1">
                 <a:solidFill>
                   <a:schemeClr val="accent1"/>
                 </a:solidFill>
                 <a:latin typeface="+mn-ea"/>
               </a:rPr>
-              <a:t>정리하기 </a:t>
+              <a:t>강 정리하기 </a:t>
             </a:r>
             <a:r>
               <a:rPr lang="en-US" altLang="ko-KR" sz="4800" b="1" dirty="0">
@@ -8139,6 +8679,51 @@
           </a:prstGeom>
         </p:spPr>
       </p:pic>
+      <p:sp>
+        <p:nvSpPr>
+          <p:cNvPr id="2" name="TextBox 1">
+            <a:extLst>
+              <a:ext uri="{FF2B5EF4-FFF2-40B4-BE49-F238E27FC236}">
+                <a16:creationId xmlns:a16="http://schemas.microsoft.com/office/drawing/2014/main" id="{F44A1EEF-7156-BC8C-D0BB-6646AB3D4D2C}"/>
+              </a:ext>
+            </a:extLst>
+          </p:cNvPr>
+          <p:cNvSpPr txBox="1"/>
+          <p:nvPr/>
+        </p:nvSpPr>
+        <p:spPr>
+          <a:xfrm>
+            <a:off x="3714835" y="5458821"/>
+            <a:ext cx="2065283" cy="369332"/>
+          </a:xfrm>
+          <a:prstGeom prst="rect">
+            <a:avLst/>
+          </a:prstGeom>
+          <a:noFill/>
+        </p:spPr>
+        <p:txBody>
+          <a:bodyPr wrap="square" rtlCol="0">
+            <a:spAutoFit/>
+          </a:bodyPr>
+          <a:lstStyle/>
+          <a:p>
+            <a:pPr algn="ctr"/>
+            <a:r>
+              <a:rPr lang="en-US" altLang="ko-KR" b="1" dirty="0"/>
+              <a:t>&lt; print </a:t>
+            </a:r>
+            <a:r>
+              <a:rPr lang="ko-KR" altLang="en-US" b="1" dirty="0"/>
+              <a:t>결과 확인 </a:t>
+            </a:r>
+            <a:r>
+              <a:rPr lang="en-US" altLang="ko-KR" b="1" dirty="0"/>
+              <a:t>&gt;</a:t>
+            </a:r>
+            <a:endParaRPr lang="ko-KR" altLang="en-US" b="1" dirty="0"/>
+          </a:p>
+        </p:txBody>
+      </p:sp>
     </p:spTree>
     <p:extLst>
       <p:ext uri="{BB962C8B-B14F-4D97-AF65-F5344CB8AC3E}">
@@ -8229,6 +8814,51 @@
           </a:prstGeom>
         </p:spPr>
       </p:pic>
+      <p:sp>
+        <p:nvSpPr>
+          <p:cNvPr id="2" name="TextBox 1">
+            <a:extLst>
+              <a:ext uri="{FF2B5EF4-FFF2-40B4-BE49-F238E27FC236}">
+                <a16:creationId xmlns:a16="http://schemas.microsoft.com/office/drawing/2014/main" id="{B3F1A563-ADC0-08D9-C738-F1ED3390D267}"/>
+              </a:ext>
+            </a:extLst>
+          </p:cNvPr>
+          <p:cNvSpPr txBox="1"/>
+          <p:nvPr/>
+        </p:nvSpPr>
+        <p:spPr>
+          <a:xfrm>
+            <a:off x="445279" y="4825409"/>
+            <a:ext cx="2065283" cy="369332"/>
+          </a:xfrm>
+          <a:prstGeom prst="rect">
+            <a:avLst/>
+          </a:prstGeom>
+          <a:noFill/>
+        </p:spPr>
+        <p:txBody>
+          <a:bodyPr wrap="square" rtlCol="0">
+            <a:spAutoFit/>
+          </a:bodyPr>
+          <a:lstStyle/>
+          <a:p>
+            <a:pPr algn="ctr"/>
+            <a:r>
+              <a:rPr lang="en-US" altLang="ko-KR" b="1" dirty="0"/>
+              <a:t>&lt; print </a:t>
+            </a:r>
+            <a:r>
+              <a:rPr lang="ko-KR" altLang="en-US" b="1" dirty="0"/>
+              <a:t>결과 확인 </a:t>
+            </a:r>
+            <a:r>
+              <a:rPr lang="en-US" altLang="ko-KR" b="1" dirty="0"/>
+              <a:t>&gt;</a:t>
+            </a:r>
+            <a:endParaRPr lang="ko-KR" altLang="en-US" b="1" dirty="0"/>
+          </a:p>
+        </p:txBody>
+      </p:sp>
     </p:spTree>
     <p:extLst>
       <p:ext uri="{BB962C8B-B14F-4D97-AF65-F5344CB8AC3E}">
@@ -8319,6 +8949,51 @@
           </a:prstGeom>
         </p:spPr>
       </p:pic>
+      <p:sp>
+        <p:nvSpPr>
+          <p:cNvPr id="2" name="TextBox 1">
+            <a:extLst>
+              <a:ext uri="{FF2B5EF4-FFF2-40B4-BE49-F238E27FC236}">
+                <a16:creationId xmlns:a16="http://schemas.microsoft.com/office/drawing/2014/main" id="{7DEAB0C7-035E-F782-7296-C53A6E3B5497}"/>
+              </a:ext>
+            </a:extLst>
+          </p:cNvPr>
+          <p:cNvSpPr txBox="1"/>
+          <p:nvPr/>
+        </p:nvSpPr>
+        <p:spPr>
+          <a:xfrm>
+            <a:off x="4747476" y="5473337"/>
+            <a:ext cx="2065283" cy="369332"/>
+          </a:xfrm>
+          <a:prstGeom prst="rect">
+            <a:avLst/>
+          </a:prstGeom>
+          <a:noFill/>
+        </p:spPr>
+        <p:txBody>
+          <a:bodyPr wrap="square" rtlCol="0">
+            <a:spAutoFit/>
+          </a:bodyPr>
+          <a:lstStyle/>
+          <a:p>
+            <a:pPr algn="ctr"/>
+            <a:r>
+              <a:rPr lang="en-US" altLang="ko-KR" b="1" dirty="0"/>
+              <a:t>&lt; print </a:t>
+            </a:r>
+            <a:r>
+              <a:rPr lang="ko-KR" altLang="en-US" b="1" dirty="0"/>
+              <a:t>결과 확인 </a:t>
+            </a:r>
+            <a:r>
+              <a:rPr lang="en-US" altLang="ko-KR" b="1" dirty="0"/>
+              <a:t>&gt;</a:t>
+            </a:r>
+            <a:endParaRPr lang="ko-KR" altLang="en-US" b="1" dirty="0"/>
+          </a:p>
+        </p:txBody>
+      </p:sp>
     </p:spTree>
     <p:extLst>
       <p:ext uri="{BB962C8B-B14F-4D97-AF65-F5344CB8AC3E}">
@@ -8401,7 +9076,7 @@
         </p:blipFill>
         <p:spPr>
           <a:xfrm>
-            <a:off x="462993" y="5244178"/>
+            <a:off x="462993" y="5428844"/>
             <a:ext cx="1768578" cy="862722"/>
           </a:xfrm>
           <a:prstGeom prst="rect">
@@ -8409,6 +9084,51 @@
           </a:prstGeom>
         </p:spPr>
       </p:pic>
+      <p:sp>
+        <p:nvSpPr>
+          <p:cNvPr id="2" name="TextBox 1">
+            <a:extLst>
+              <a:ext uri="{FF2B5EF4-FFF2-40B4-BE49-F238E27FC236}">
+                <a16:creationId xmlns:a16="http://schemas.microsoft.com/office/drawing/2014/main" id="{134D7BF7-5DBF-E8F3-1005-7C075C564EA2}"/>
+              </a:ext>
+            </a:extLst>
+          </p:cNvPr>
+          <p:cNvSpPr txBox="1"/>
+          <p:nvPr/>
+        </p:nvSpPr>
+        <p:spPr>
+          <a:xfrm>
+            <a:off x="462993" y="5059512"/>
+            <a:ext cx="2065283" cy="369332"/>
+          </a:xfrm>
+          <a:prstGeom prst="rect">
+            <a:avLst/>
+          </a:prstGeom>
+          <a:noFill/>
+        </p:spPr>
+        <p:txBody>
+          <a:bodyPr wrap="square" rtlCol="0">
+            <a:spAutoFit/>
+          </a:bodyPr>
+          <a:lstStyle/>
+          <a:p>
+            <a:pPr algn="ctr"/>
+            <a:r>
+              <a:rPr lang="en-US" altLang="ko-KR" b="1" dirty="0"/>
+              <a:t>&lt; print </a:t>
+            </a:r>
+            <a:r>
+              <a:rPr lang="ko-KR" altLang="en-US" b="1" dirty="0"/>
+              <a:t>결과 확인 </a:t>
+            </a:r>
+            <a:r>
+              <a:rPr lang="en-US" altLang="ko-KR" b="1" dirty="0"/>
+              <a:t>&gt;</a:t>
+            </a:r>
+            <a:endParaRPr lang="ko-KR" altLang="en-US" b="1" dirty="0"/>
+          </a:p>
+        </p:txBody>
+      </p:sp>
     </p:spTree>
     <p:extLst>
       <p:ext uri="{BB962C8B-B14F-4D97-AF65-F5344CB8AC3E}">
